--- a/BytePit.pptx
+++ b/BytePit.pptx
@@ -2,27 +2,27 @@
 <file path=ppt/presentation.xml><?xml version="1.0" encoding="utf-8"?>
 <p:presentation xmlns:a="http://schemas.openxmlformats.org/drawingml/2006/main" xmlns:r="http://schemas.openxmlformats.org/officeDocument/2006/relationships" xmlns:p="http://schemas.openxmlformats.org/presentationml/2006/main" showSpecialPlsOnTitleSld="0" saveSubsetFonts="1">
   <p:sldMasterIdLst>
-    <p:sldMasterId id="2147483687" r:id="rId1"/>
+    <p:sldMasterId id="2147483648" r:id="rId1"/>
   </p:sldMasterIdLst>
   <p:notesMasterIdLst>
     <p:notesMasterId r:id="rId17"/>
   </p:notesMasterIdLst>
   <p:sldIdLst>
-    <p:sldId id="256" r:id="rId2"/>
-    <p:sldId id="257" r:id="rId3"/>
-    <p:sldId id="265" r:id="rId4"/>
-    <p:sldId id="258" r:id="rId5"/>
-    <p:sldId id="272" r:id="rId6"/>
-    <p:sldId id="268" r:id="rId7"/>
-    <p:sldId id="269" r:id="rId8"/>
-    <p:sldId id="271" r:id="rId9"/>
-    <p:sldId id="261" r:id="rId10"/>
+    <p:sldId id="257" r:id="rId2"/>
+    <p:sldId id="258" r:id="rId3"/>
+    <p:sldId id="259" r:id="rId4"/>
+    <p:sldId id="260" r:id="rId5"/>
+    <p:sldId id="261" r:id="rId6"/>
+    <p:sldId id="262" r:id="rId7"/>
+    <p:sldId id="263" r:id="rId8"/>
+    <p:sldId id="264" r:id="rId9"/>
+    <p:sldId id="265" r:id="rId10"/>
     <p:sldId id="266" r:id="rId11"/>
-    <p:sldId id="260" r:id="rId12"/>
-    <p:sldId id="270" r:id="rId13"/>
-    <p:sldId id="263" r:id="rId14"/>
-    <p:sldId id="273" r:id="rId15"/>
-    <p:sldId id="267" r:id="rId16"/>
+    <p:sldId id="267" r:id="rId12"/>
+    <p:sldId id="268" r:id="rId13"/>
+    <p:sldId id="269" r:id="rId14"/>
+    <p:sldId id="270" r:id="rId15"/>
+    <p:sldId id="271" r:id="rId16"/>
   </p:sldIdLst>
   <p:sldSz cx="9144000" cy="6858000" type="screen4x3"/>
   <p:notesSz cx="6858000" cy="9144000"/>
@@ -153,7 +153,7 @@
       </p:grpSpPr>
       <p:sp>
         <p:nvSpPr>
-          <p:cNvPr id="2" name="Header Placeholder 1"/>
+          <p:cNvPr id="1048678" name="Header Placeholder 1"/>
           <p:cNvSpPr>
             <a:spLocks noGrp="1"/>
           </p:cNvSpPr>
@@ -184,7 +184,7 @@
       </p:sp>
       <p:sp>
         <p:nvSpPr>
-          <p:cNvPr id="3" name="Date Placeholder 2"/>
+          <p:cNvPr id="1048679" name="Date Placeholder 2"/>
           <p:cNvSpPr>
             <a:spLocks noGrp="1"/>
           </p:cNvSpPr>
@@ -219,7 +219,7 @@
       </p:sp>
       <p:sp>
         <p:nvSpPr>
-          <p:cNvPr id="4" name="Slide Image Placeholder 3"/>
+          <p:cNvPr id="1048680" name="Slide Image Placeholder 3"/>
           <p:cNvSpPr>
             <a:spLocks noGrp="1" noRot="1" noChangeAspect="1"/>
           </p:cNvSpPr>
@@ -252,7 +252,7 @@
       </p:sp>
       <p:sp>
         <p:nvSpPr>
-          <p:cNvPr id="5" name="Notes Placeholder 4"/>
+          <p:cNvPr id="1048681" name="Notes Placeholder 4"/>
           <p:cNvSpPr>
             <a:spLocks noGrp="1"/>
           </p:cNvSpPr>
@@ -312,7 +312,7 @@
       </p:sp>
       <p:sp>
         <p:nvSpPr>
-          <p:cNvPr id="6" name="Footer Placeholder 5"/>
+          <p:cNvPr id="1048682" name="Footer Placeholder 5"/>
           <p:cNvSpPr>
             <a:spLocks noGrp="1"/>
           </p:cNvSpPr>
@@ -343,7 +343,7 @@
       </p:sp>
       <p:sp>
         <p:nvSpPr>
-          <p:cNvPr id="7" name="Slide Number Placeholder 6"/>
+          <p:cNvPr id="1048683" name="Slide Number Placeholder 6"/>
           <p:cNvSpPr>
             <a:spLocks noGrp="1"/>
           </p:cNvSpPr>
@@ -377,11 +377,6 @@
         </p:txBody>
       </p:sp>
     </p:spTree>
-    <p:extLst>
-      <p:ext uri="{BB962C8B-B14F-4D97-AF65-F5344CB8AC3E}">
-        <p14:creationId xmlns:p14="http://schemas.microsoft.com/office/powerpoint/2010/main" val="940785658"/>
-      </p:ext>
-    </p:extLst>
   </p:cSld>
   <p:clrMap bg1="lt1" tx1="dk1" bg2="lt2" tx2="dk2" accent1="accent1" accent2="accent2" accent3="accent3" accent4="accent4" accent5="accent5" accent6="accent6" hlink="hlink" folHlink="folHlink"/>
   <p:notesStyle>
@@ -498,13 +493,7 @@
       </p:grpSpPr>
       <p:sp>
         <p:nvSpPr>
-          <p:cNvPr id="33" name="Right Triangle 32">
-            <a:extLst>
-              <a:ext uri="{FF2B5EF4-FFF2-40B4-BE49-F238E27FC236}">
-                <a16:creationId xmlns:a16="http://schemas.microsoft.com/office/drawing/2014/main" id="{2A737799-F072-47E1-A678-5CE12F097D06}"/>
-              </a:ext>
-            </a:extLst>
-          </p:cNvPr>
+          <p:cNvPr id="1048581" name="Right Triangle 32"/>
           <p:cNvSpPr/>
           <p:nvPr/>
         </p:nvSpPr>
@@ -555,7 +544,7 @@
       </p:sp>
       <p:sp>
         <p:nvSpPr>
-          <p:cNvPr id="2" name="Title 1"/>
+          <p:cNvPr id="1048582" name="Title 1"/>
           <p:cNvSpPr>
             <a:spLocks noGrp="1"/>
           </p:cNvSpPr>
@@ -587,13 +576,7 @@
       </p:sp>
       <p:grpSp>
         <p:nvGrpSpPr>
-          <p:cNvPr id="12" name="Group 11">
-            <a:extLst>
-              <a:ext uri="{FF2B5EF4-FFF2-40B4-BE49-F238E27FC236}">
-                <a16:creationId xmlns:a16="http://schemas.microsoft.com/office/drawing/2014/main" id="{A0A13A86-3F68-4CBB-B661-B96A001B15BE}"/>
-              </a:ext>
-            </a:extLst>
-          </p:cNvPr>
+          <p:cNvPr id="22" name="Group 11"/>
           <p:cNvGrpSpPr/>
           <p:nvPr/>
         </p:nvGrpSpPr>
@@ -607,13 +590,7 @@
         </p:grpSpPr>
         <p:sp>
           <p:nvSpPr>
-            <p:cNvPr id="7" name="Rectangle 6">
-              <a:extLst>
-                <a:ext uri="{FF2B5EF4-FFF2-40B4-BE49-F238E27FC236}">
-                  <a16:creationId xmlns:a16="http://schemas.microsoft.com/office/drawing/2014/main" id="{C22AA1C2-ED49-4B0D-9C5A-6D47DFC70771}"/>
-                </a:ext>
-              </a:extLst>
-            </p:cNvPr>
+            <p:cNvPr id="1048583" name="Rectangle 6"/>
             <p:cNvSpPr/>
             <p:nvPr userDrawn="1"/>
           </p:nvSpPr>
@@ -661,13 +638,7 @@
         </p:sp>
         <p:sp>
           <p:nvSpPr>
-            <p:cNvPr id="9" name="Rectangle 8">
-              <a:extLst>
-                <a:ext uri="{FF2B5EF4-FFF2-40B4-BE49-F238E27FC236}">
-                  <a16:creationId xmlns:a16="http://schemas.microsoft.com/office/drawing/2014/main" id="{64FC8746-DFC2-4DDF-B034-CED2ACE15704}"/>
-                </a:ext>
-              </a:extLst>
-            </p:cNvPr>
+            <p:cNvPr id="1048584" name="Rectangle 8"/>
             <p:cNvSpPr/>
             <p:nvPr userDrawn="1"/>
           </p:nvSpPr>
@@ -715,13 +686,7 @@
         </p:sp>
         <p:sp>
           <p:nvSpPr>
-            <p:cNvPr id="11" name="Rectangle 10">
-              <a:extLst>
-                <a:ext uri="{FF2B5EF4-FFF2-40B4-BE49-F238E27FC236}">
-                  <a16:creationId xmlns:a16="http://schemas.microsoft.com/office/drawing/2014/main" id="{C94884E1-E6D8-48CB-B7A9-438FB51C78F5}"/>
-                </a:ext>
-              </a:extLst>
-            </p:cNvPr>
+            <p:cNvPr id="1048585" name="Rectangle 10"/>
             <p:cNvSpPr/>
             <p:nvPr userDrawn="1"/>
           </p:nvSpPr>
@@ -770,13 +735,7 @@
       </p:grpSp>
       <p:pic>
         <p:nvPicPr>
-          <p:cNvPr id="14" name="Picture 13" descr="A close up of a logo&#10;&#10;Description automatically generated">
-            <a:extLst>
-              <a:ext uri="{FF2B5EF4-FFF2-40B4-BE49-F238E27FC236}">
-                <a16:creationId xmlns:a16="http://schemas.microsoft.com/office/drawing/2014/main" id="{32F5CBCA-0AB8-4B6A-8A03-C549C7F3AE39}"/>
-              </a:ext>
-            </a:extLst>
-          </p:cNvPr>
+          <p:cNvPr id="2097152" name="Picture 13" descr="A close up of a logo  Description automatically generated"/>
           <p:cNvPicPr>
             <a:picLocks noChangeAspect="1"/>
           </p:cNvPicPr>
@@ -787,7 +746,9 @@
             <a:alphaModFix amt="79000"/>
           </a:blip>
           <a:srcRect l="13474" t="23715" r="15700" b="21450"/>
-          <a:stretch/>
+          <a:stretch>
+            <a:fillRect/>
+          </a:stretch>
         </p:blipFill>
         <p:spPr>
           <a:xfrm>
@@ -801,13 +762,7 @@
       </p:pic>
       <p:pic>
         <p:nvPicPr>
-          <p:cNvPr id="16" name="Picture 15" descr="A screenshot of a video game&#10;&#10;Description automatically generated">
-            <a:extLst>
-              <a:ext uri="{FF2B5EF4-FFF2-40B4-BE49-F238E27FC236}">
-                <a16:creationId xmlns:a16="http://schemas.microsoft.com/office/drawing/2014/main" id="{304A50E9-593B-484E-BBFD-7D99ADECD2FF}"/>
-              </a:ext>
-            </a:extLst>
-          </p:cNvPr>
+          <p:cNvPr id="2097153" name="Picture 15" descr="A screenshot of a video game  Description automatically generated"/>
           <p:cNvPicPr>
             <a:picLocks noChangeAspect="1"/>
           </p:cNvPicPr>
@@ -816,7 +771,9 @@
         <p:blipFill rotWithShape="1">
           <a:blip r:embed="rId4"/>
           <a:srcRect b="772"/>
-          <a:stretch/>
+          <a:stretch>
+            <a:fillRect/>
+          </a:stretch>
         </p:blipFill>
         <p:spPr>
           <a:xfrm>
@@ -830,20 +787,14 @@
       </p:pic>
       <p:sp>
         <p:nvSpPr>
-          <p:cNvPr id="18" name="TextBox 17">
-            <a:extLst>
-              <a:ext uri="{FF2B5EF4-FFF2-40B4-BE49-F238E27FC236}">
-                <a16:creationId xmlns:a16="http://schemas.microsoft.com/office/drawing/2014/main" id="{0E779F65-BFE6-4D96-B824-8575890A4185}"/>
-              </a:ext>
-            </a:extLst>
-          </p:cNvPr>
+          <p:cNvPr id="1048586" name="TextBox 17"/>
           <p:cNvSpPr txBox="1"/>
           <p:nvPr/>
         </p:nvSpPr>
         <p:spPr>
           <a:xfrm>
-            <a:off x="4422375" y="2526976"/>
-            <a:ext cx="4036333" cy="875753"/>
+            <a:off x="4422375" y="2485790"/>
+            <a:ext cx="4036333" cy="916939"/>
           </a:xfrm>
           <a:prstGeom prst="rect">
             <a:avLst/>
@@ -939,13 +890,7 @@
       </p:sp>
       <p:grpSp>
         <p:nvGrpSpPr>
-          <p:cNvPr id="34" name="Group 33">
-            <a:extLst>
-              <a:ext uri="{FF2B5EF4-FFF2-40B4-BE49-F238E27FC236}">
-                <a16:creationId xmlns:a16="http://schemas.microsoft.com/office/drawing/2014/main" id="{A54D68C4-3DFA-4D90-89DF-550D8FB0DB2C}"/>
-              </a:ext>
-            </a:extLst>
-          </p:cNvPr>
+          <p:cNvPr id="23" name="Group 33"/>
           <p:cNvGrpSpPr/>
           <p:nvPr/>
         </p:nvGrpSpPr>
@@ -959,13 +904,7 @@
         </p:grpSpPr>
         <p:sp>
           <p:nvSpPr>
-            <p:cNvPr id="21" name="Rectangle 20">
-              <a:extLst>
-                <a:ext uri="{FF2B5EF4-FFF2-40B4-BE49-F238E27FC236}">
-                  <a16:creationId xmlns:a16="http://schemas.microsoft.com/office/drawing/2014/main" id="{5891C753-BAAB-4424-9E32-3F1432529749}"/>
-                </a:ext>
-              </a:extLst>
-            </p:cNvPr>
+            <p:cNvPr id="1048587" name="Rectangle 20"/>
             <p:cNvSpPr/>
             <p:nvPr userDrawn="1"/>
           </p:nvSpPr>
@@ -1013,13 +952,7 @@
         </p:sp>
         <p:sp>
           <p:nvSpPr>
-            <p:cNvPr id="23" name="Rectangle 22">
-              <a:extLst>
-                <a:ext uri="{FF2B5EF4-FFF2-40B4-BE49-F238E27FC236}">
-                  <a16:creationId xmlns:a16="http://schemas.microsoft.com/office/drawing/2014/main" id="{C86BC744-DC4B-4A55-B6FA-A711EC8ACF52}"/>
-                </a:ext>
-              </a:extLst>
-            </p:cNvPr>
+            <p:cNvPr id="1048588" name="Rectangle 22"/>
             <p:cNvSpPr/>
             <p:nvPr userDrawn="1"/>
           </p:nvSpPr>
@@ -1067,13 +1000,7 @@
         </p:sp>
         <p:sp>
           <p:nvSpPr>
-            <p:cNvPr id="25" name="Rectangle 24">
-              <a:extLst>
-                <a:ext uri="{FF2B5EF4-FFF2-40B4-BE49-F238E27FC236}">
-                  <a16:creationId xmlns:a16="http://schemas.microsoft.com/office/drawing/2014/main" id="{70AA3319-80CC-4953-81CC-A4C7D5063739}"/>
-                </a:ext>
-              </a:extLst>
-            </p:cNvPr>
+            <p:cNvPr id="1048589" name="Rectangle 24"/>
             <p:cNvSpPr/>
             <p:nvPr userDrawn="1"/>
           </p:nvSpPr>
@@ -1122,31 +1049,18 @@
       </p:grpSp>
       <p:pic>
         <p:nvPicPr>
-          <p:cNvPr id="4" name="Graphic 3">
-            <a:extLst>
-              <a:ext uri="{FF2B5EF4-FFF2-40B4-BE49-F238E27FC236}">
-                <a16:creationId xmlns:a16="http://schemas.microsoft.com/office/drawing/2014/main" id="{9B169C9B-ABD9-49DB-8ECD-EBB51008CF4C}"/>
-              </a:ext>
-            </a:extLst>
-          </p:cNvPr>
+          <p:cNvPr id="2097154" name="Graphic 3"/>
           <p:cNvPicPr>
             <a:picLocks noChangeAspect="1"/>
           </p:cNvPicPr>
           <p:nvPr/>
         </p:nvPicPr>
         <p:blipFill rotWithShape="1">
-          <a:blip r:embed="rId5" cstate="print">
-            <a:extLst>
-              <a:ext uri="{28A0092B-C50C-407E-A947-70E740481C1C}">
-                <a14:useLocalDpi xmlns:a14="http://schemas.microsoft.com/office/drawing/2010/main" val="0"/>
-              </a:ext>
-              <a:ext uri="{96DAC541-7B7A-43D3-8B79-37D633B846F1}">
-                <asvg:svgBlip xmlns:asvg="http://schemas.microsoft.com/office/drawing/2016/SVG/main" r:embed="rId6"/>
-              </a:ext>
-            </a:extLst>
-          </a:blip>
+          <a:blip r:embed="rId5" cstate="print"/>
           <a:srcRect l="40606" t="17629" r="15252" b="19248"/>
-          <a:stretch/>
+          <a:stretch>
+            <a:fillRect/>
+          </a:stretch>
         </p:blipFill>
         <p:spPr>
           <a:xfrm>
@@ -1160,20 +1074,14 @@
       </p:pic>
       <p:sp>
         <p:nvSpPr>
-          <p:cNvPr id="19" name="TextBox 18">
-            <a:extLst>
-              <a:ext uri="{FF2B5EF4-FFF2-40B4-BE49-F238E27FC236}">
-                <a16:creationId xmlns:a16="http://schemas.microsoft.com/office/drawing/2014/main" id="{0CE60C55-0B9A-415C-B973-238B00D9203B}"/>
-              </a:ext>
-            </a:extLst>
-          </p:cNvPr>
+          <p:cNvPr id="1048590" name="TextBox 18"/>
           <p:cNvSpPr txBox="1"/>
           <p:nvPr/>
         </p:nvSpPr>
         <p:spPr>
           <a:xfrm>
             <a:off x="6472518" y="1130608"/>
-            <a:ext cx="2597727" cy="430887"/>
+            <a:ext cx="2597727" cy="586740"/>
           </a:xfrm>
           <a:prstGeom prst="rect">
             <a:avLst/>
@@ -1195,11 +1103,6 @@
         </p:txBody>
       </p:sp>
     </p:spTree>
-    <p:extLst>
-      <p:ext uri="{BB962C8B-B14F-4D97-AF65-F5344CB8AC3E}">
-        <p14:creationId xmlns:p14="http://schemas.microsoft.com/office/powerpoint/2010/main" val="3177211245"/>
-      </p:ext>
-    </p:extLst>
   </p:cSld>
   <p:clrMapOvr>
     <a:masterClrMapping/>
@@ -1242,7 +1145,7 @@
       </p:grpSpPr>
       <p:sp>
         <p:nvSpPr>
-          <p:cNvPr id="2" name="Title 1"/>
+          <p:cNvPr id="1048650" name="Title 1"/>
           <p:cNvSpPr>
             <a:spLocks noGrp="1"/>
           </p:cNvSpPr>
@@ -1274,7 +1177,7 @@
       </p:sp>
       <p:sp>
         <p:nvSpPr>
-          <p:cNvPr id="3" name="Text Placeholder 2"/>
+          <p:cNvPr id="1048651" name="Text Placeholder 2"/>
           <p:cNvSpPr>
             <a:spLocks noGrp="1"/>
           </p:cNvSpPr>
@@ -1391,13 +1294,7 @@
       </p:sp>
       <p:grpSp>
         <p:nvGrpSpPr>
-          <p:cNvPr id="7" name="Group 6">
-            <a:extLst>
-              <a:ext uri="{FF2B5EF4-FFF2-40B4-BE49-F238E27FC236}">
-                <a16:creationId xmlns:a16="http://schemas.microsoft.com/office/drawing/2014/main" id="{39D65BC3-0390-487E-9343-57013C37910B}"/>
-              </a:ext>
-            </a:extLst>
-          </p:cNvPr>
+          <p:cNvPr id="49" name="Group 6"/>
           <p:cNvGrpSpPr/>
           <p:nvPr/>
         </p:nvGrpSpPr>
@@ -1414,13 +1311,7 @@
         </p:grpSpPr>
         <p:sp>
           <p:nvSpPr>
-            <p:cNvPr id="8" name="Rectangle 7">
-              <a:extLst>
-                <a:ext uri="{FF2B5EF4-FFF2-40B4-BE49-F238E27FC236}">
-                  <a16:creationId xmlns:a16="http://schemas.microsoft.com/office/drawing/2014/main" id="{5F4361EC-AED8-4B86-B0D1-15361ACD5BB7}"/>
-                </a:ext>
-              </a:extLst>
-            </p:cNvPr>
+            <p:cNvPr id="1048652" name="Rectangle 7"/>
             <p:cNvSpPr/>
             <p:nvPr userDrawn="1"/>
           </p:nvSpPr>
@@ -1466,13 +1357,7 @@
         </p:sp>
         <p:sp>
           <p:nvSpPr>
-            <p:cNvPr id="9" name="Rectangle 8">
-              <a:extLst>
-                <a:ext uri="{FF2B5EF4-FFF2-40B4-BE49-F238E27FC236}">
-                  <a16:creationId xmlns:a16="http://schemas.microsoft.com/office/drawing/2014/main" id="{5D7164C5-7F89-48EA-9906-0AF23BCC4882}"/>
-                </a:ext>
-              </a:extLst>
-            </p:cNvPr>
+            <p:cNvPr id="1048653" name="Rectangle 8"/>
             <p:cNvSpPr/>
             <p:nvPr userDrawn="1"/>
           </p:nvSpPr>
@@ -1519,13 +1404,7 @@
       </p:grpSp>
       <p:pic>
         <p:nvPicPr>
-          <p:cNvPr id="11" name="Picture 10" descr="A screenshot of a video game&#10;&#10;Description automatically generated">
-            <a:extLst>
-              <a:ext uri="{FF2B5EF4-FFF2-40B4-BE49-F238E27FC236}">
-                <a16:creationId xmlns:a16="http://schemas.microsoft.com/office/drawing/2014/main" id="{400D0D9E-702E-4495-B908-117D903BB1AA}"/>
-              </a:ext>
-            </a:extLst>
-          </p:cNvPr>
+          <p:cNvPr id="2097167" name="Picture 10" descr="A screenshot of a video game  Description automatically generated"/>
           <p:cNvPicPr>
             <a:picLocks noChangeAspect="1"/>
           </p:cNvPicPr>
@@ -1534,7 +1413,9 @@
         <p:blipFill rotWithShape="1">
           <a:blip r:embed="rId3"/>
           <a:srcRect b="772"/>
-          <a:stretch/>
+          <a:stretch>
+            <a:fillRect/>
+          </a:stretch>
         </p:blipFill>
         <p:spPr>
           <a:xfrm>
@@ -1548,13 +1429,7 @@
       </p:pic>
       <p:sp>
         <p:nvSpPr>
-          <p:cNvPr id="16" name="Footer Placeholder 4">
-            <a:extLst>
-              <a:ext uri="{FF2B5EF4-FFF2-40B4-BE49-F238E27FC236}">
-                <a16:creationId xmlns:a16="http://schemas.microsoft.com/office/drawing/2014/main" id="{BE68E431-7FC2-47FC-A826-4B794B289F47}"/>
-              </a:ext>
-            </a:extLst>
-          </p:cNvPr>
+          <p:cNvPr id="1048654" name="Footer Placeholder 4"/>
           <p:cNvSpPr>
             <a:spLocks noGrp="1"/>
           </p:cNvSpPr>
@@ -1590,13 +1465,7 @@
       </p:sp>
       <p:cxnSp>
         <p:nvCxnSpPr>
-          <p:cNvPr id="18" name="Straight Connector 17">
-            <a:extLst>
-              <a:ext uri="{FF2B5EF4-FFF2-40B4-BE49-F238E27FC236}">
-                <a16:creationId xmlns:a16="http://schemas.microsoft.com/office/drawing/2014/main" id="{B9B4F37E-A6B4-4A59-A76A-E67F5B42B7AF}"/>
-              </a:ext>
-            </a:extLst>
-          </p:cNvPr>
+          <p:cNvPr id="3145729" name="Straight Connector 17"/>
           <p:cNvCxnSpPr>
             <a:cxnSpLocks/>
           </p:cNvCxnSpPr>
@@ -1636,7 +1505,6 @@
                 </a:gs>
               </a:gsLst>
               <a:lin ang="10800000" scaled="1"/>
-              <a:tileRect/>
             </a:gradFill>
           </a:ln>
         </p:spPr>
@@ -1656,11 +1524,6 @@
         </p:style>
       </p:cxnSp>
     </p:spTree>
-    <p:extLst>
-      <p:ext uri="{BB962C8B-B14F-4D97-AF65-F5344CB8AC3E}">
-        <p14:creationId xmlns:p14="http://schemas.microsoft.com/office/powerpoint/2010/main" val="1514758249"/>
-      </p:ext>
-    </p:extLst>
   </p:cSld>
   <p:clrMapOvr>
     <a:masterClrMapping/>
@@ -1702,7 +1565,7 @@
       </p:grpSpPr>
       <p:sp>
         <p:nvSpPr>
-          <p:cNvPr id="2" name="Title 1"/>
+          <p:cNvPr id="1048592" name="Title 1"/>
           <p:cNvSpPr>
             <a:spLocks noGrp="1"/>
           </p:cNvSpPr>
@@ -1736,7 +1599,7 @@
       </p:sp>
       <p:sp>
         <p:nvSpPr>
-          <p:cNvPr id="3" name="Content Placeholder 2"/>
+          <p:cNvPr id="1048593" name="Content Placeholder 2"/>
           <p:cNvSpPr>
             <a:spLocks noGrp="1"/>
           </p:cNvSpPr>
@@ -1814,7 +1677,7 @@
       </p:sp>
       <p:sp>
         <p:nvSpPr>
-          <p:cNvPr id="5" name="Footer Placeholder 4"/>
+          <p:cNvPr id="1048594" name="Footer Placeholder 4"/>
           <p:cNvSpPr>
             <a:spLocks noGrp="1"/>
           </p:cNvSpPr>
@@ -1850,7 +1713,7 @@
       </p:sp>
       <p:sp>
         <p:nvSpPr>
-          <p:cNvPr id="6" name="Slide Number Placeholder 5"/>
+          <p:cNvPr id="1048595" name="Slide Number Placeholder 5"/>
           <p:cNvSpPr>
             <a:spLocks noGrp="1"/>
           </p:cNvSpPr>
@@ -1892,13 +1755,7 @@
       </p:sp>
       <p:pic>
         <p:nvPicPr>
-          <p:cNvPr id="10" name="Picture 9" descr="A screenshot of a video game&#10;&#10;Description automatically generated">
-            <a:extLst>
-              <a:ext uri="{FF2B5EF4-FFF2-40B4-BE49-F238E27FC236}">
-                <a16:creationId xmlns:a16="http://schemas.microsoft.com/office/drawing/2014/main" id="{25117F72-A25C-4562-B741-ED2B6BAAA2BC}"/>
-              </a:ext>
-            </a:extLst>
-          </p:cNvPr>
+          <p:cNvPr id="2097155" name="Picture 9" descr="A screenshot of a video game  Description automatically generated"/>
           <p:cNvPicPr>
             <a:picLocks noChangeAspect="1"/>
           </p:cNvPicPr>
@@ -1907,7 +1764,9 @@
         <p:blipFill rotWithShape="1">
           <a:blip r:embed="rId3"/>
           <a:srcRect l="36650" b="772"/>
-          <a:stretch/>
+          <a:stretch>
+            <a:fillRect/>
+          </a:stretch>
         </p:blipFill>
         <p:spPr>
           <a:xfrm>
@@ -1921,13 +1780,7 @@
       </p:pic>
       <p:grpSp>
         <p:nvGrpSpPr>
-          <p:cNvPr id="4" name="Group 3">
-            <a:extLst>
-              <a:ext uri="{FF2B5EF4-FFF2-40B4-BE49-F238E27FC236}">
-                <a16:creationId xmlns:a16="http://schemas.microsoft.com/office/drawing/2014/main" id="{33D72EFA-43C3-4986-8204-6D8755B204AF}"/>
-              </a:ext>
-            </a:extLst>
-          </p:cNvPr>
+          <p:cNvPr id="31" name="Group 3"/>
           <p:cNvGrpSpPr/>
           <p:nvPr/>
         </p:nvGrpSpPr>
@@ -1941,13 +1794,7 @@
         </p:grpSpPr>
         <p:sp>
           <p:nvSpPr>
-            <p:cNvPr id="15" name="Rectangle 14">
-              <a:extLst>
-                <a:ext uri="{FF2B5EF4-FFF2-40B4-BE49-F238E27FC236}">
-                  <a16:creationId xmlns:a16="http://schemas.microsoft.com/office/drawing/2014/main" id="{2CFBAC80-66D2-4E1E-B3CA-BAEBB8E4FB80}"/>
-                </a:ext>
-              </a:extLst>
-            </p:cNvPr>
+            <p:cNvPr id="1048596" name="Rectangle 14"/>
             <p:cNvSpPr/>
             <p:nvPr userDrawn="1"/>
           </p:nvSpPr>
@@ -1995,13 +1842,7 @@
         </p:sp>
         <p:sp>
           <p:nvSpPr>
-            <p:cNvPr id="16" name="Rectangle 15">
-              <a:extLst>
-                <a:ext uri="{FF2B5EF4-FFF2-40B4-BE49-F238E27FC236}">
-                  <a16:creationId xmlns:a16="http://schemas.microsoft.com/office/drawing/2014/main" id="{A7912841-8D49-4A6E-A79D-84DDF6D39288}"/>
-                </a:ext>
-              </a:extLst>
-            </p:cNvPr>
+            <p:cNvPr id="1048597" name="Rectangle 15"/>
             <p:cNvSpPr/>
             <p:nvPr userDrawn="1"/>
           </p:nvSpPr>
@@ -2049,13 +1890,7 @@
         </p:sp>
         <p:sp>
           <p:nvSpPr>
-            <p:cNvPr id="17" name="Rectangle 16">
-              <a:extLst>
-                <a:ext uri="{FF2B5EF4-FFF2-40B4-BE49-F238E27FC236}">
-                  <a16:creationId xmlns:a16="http://schemas.microsoft.com/office/drawing/2014/main" id="{346B4486-4F05-4863-9050-63BBB7AAFF46}"/>
-                </a:ext>
-              </a:extLst>
-            </p:cNvPr>
+            <p:cNvPr id="1048598" name="Rectangle 16"/>
             <p:cNvSpPr/>
             <p:nvPr userDrawn="1"/>
           </p:nvSpPr>
@@ -2104,14 +1939,10 @@
       </p:grpSp>
       <p:cxnSp>
         <p:nvCxnSpPr>
-          <p:cNvPr id="24" name="Straight Connector 23">
-            <a:extLst>
-              <a:ext uri="{FF2B5EF4-FFF2-40B4-BE49-F238E27FC236}">
-                <a16:creationId xmlns:a16="http://schemas.microsoft.com/office/drawing/2014/main" id="{425EDF29-E7FA-42BB-A5D2-94CEEA4E580C}"/>
-              </a:ext>
-            </a:extLst>
-          </p:cNvPr>
-          <p:cNvCxnSpPr/>
+          <p:cNvPr id="3145728" name="Straight Connector 23"/>
+          <p:cNvCxnSpPr>
+            <a:cxnSpLocks/>
+          </p:cNvCxnSpPr>
           <p:nvPr/>
         </p:nvCxnSpPr>
         <p:spPr>
@@ -2148,7 +1979,6 @@
                 </a:gs>
               </a:gsLst>
               <a:lin ang="10800000" scaled="1"/>
-              <a:tileRect/>
             </a:gradFill>
           </a:ln>
         </p:spPr>
@@ -2168,11 +1998,6 @@
         </p:style>
       </p:cxnSp>
     </p:spTree>
-    <p:extLst>
-      <p:ext uri="{BB962C8B-B14F-4D97-AF65-F5344CB8AC3E}">
-        <p14:creationId xmlns:p14="http://schemas.microsoft.com/office/powerpoint/2010/main" val="2310347957"/>
-      </p:ext>
-    </p:extLst>
   </p:cSld>
   <p:clrMapOvr>
     <a:masterClrMapping/>
@@ -2214,7 +2039,7 @@
       </p:grpSpPr>
       <p:sp>
         <p:nvSpPr>
-          <p:cNvPr id="2" name="Title 1"/>
+          <p:cNvPr id="1048655" name="Title 1"/>
           <p:cNvSpPr>
             <a:spLocks noGrp="1"/>
           </p:cNvSpPr>
@@ -2248,7 +2073,7 @@
       </p:sp>
       <p:sp>
         <p:nvSpPr>
-          <p:cNvPr id="5" name="Footer Placeholder 4"/>
+          <p:cNvPr id="1048656" name="Footer Placeholder 4"/>
           <p:cNvSpPr>
             <a:spLocks noGrp="1"/>
           </p:cNvSpPr>
@@ -2284,7 +2109,7 @@
       </p:sp>
       <p:sp>
         <p:nvSpPr>
-          <p:cNvPr id="6" name="Slide Number Placeholder 5"/>
+          <p:cNvPr id="1048657" name="Slide Number Placeholder 5"/>
           <p:cNvSpPr>
             <a:spLocks noGrp="1"/>
           </p:cNvSpPr>
@@ -2326,13 +2151,7 @@
       </p:sp>
       <p:pic>
         <p:nvPicPr>
-          <p:cNvPr id="10" name="Picture 9" descr="A screenshot of a video game&#10;&#10;Description automatically generated">
-            <a:extLst>
-              <a:ext uri="{FF2B5EF4-FFF2-40B4-BE49-F238E27FC236}">
-                <a16:creationId xmlns:a16="http://schemas.microsoft.com/office/drawing/2014/main" id="{25117F72-A25C-4562-B741-ED2B6BAAA2BC}"/>
-              </a:ext>
-            </a:extLst>
-          </p:cNvPr>
+          <p:cNvPr id="2097168" name="Picture 9" descr="A screenshot of a video game  Description automatically generated"/>
           <p:cNvPicPr>
             <a:picLocks noChangeAspect="1"/>
           </p:cNvPicPr>
@@ -2341,7 +2160,9 @@
         <p:blipFill rotWithShape="1">
           <a:blip r:embed="rId3"/>
           <a:srcRect l="36650" b="772"/>
-          <a:stretch/>
+          <a:stretch>
+            <a:fillRect/>
+          </a:stretch>
         </p:blipFill>
         <p:spPr>
           <a:xfrm>
@@ -2355,13 +2176,7 @@
       </p:pic>
       <p:grpSp>
         <p:nvGrpSpPr>
-          <p:cNvPr id="4" name="Group 3">
-            <a:extLst>
-              <a:ext uri="{FF2B5EF4-FFF2-40B4-BE49-F238E27FC236}">
-                <a16:creationId xmlns:a16="http://schemas.microsoft.com/office/drawing/2014/main" id="{33D72EFA-43C3-4986-8204-6D8755B204AF}"/>
-              </a:ext>
-            </a:extLst>
-          </p:cNvPr>
+          <p:cNvPr id="51" name="Group 3"/>
           <p:cNvGrpSpPr/>
           <p:nvPr/>
         </p:nvGrpSpPr>
@@ -2375,13 +2190,7 @@
         </p:grpSpPr>
         <p:sp>
           <p:nvSpPr>
-            <p:cNvPr id="15" name="Rectangle 14">
-              <a:extLst>
-                <a:ext uri="{FF2B5EF4-FFF2-40B4-BE49-F238E27FC236}">
-                  <a16:creationId xmlns:a16="http://schemas.microsoft.com/office/drawing/2014/main" id="{2CFBAC80-66D2-4E1E-B3CA-BAEBB8E4FB80}"/>
-                </a:ext>
-              </a:extLst>
-            </p:cNvPr>
+            <p:cNvPr id="1048658" name="Rectangle 14"/>
             <p:cNvSpPr/>
             <p:nvPr userDrawn="1"/>
           </p:nvSpPr>
@@ -2429,13 +2238,7 @@
         </p:sp>
         <p:sp>
           <p:nvSpPr>
-            <p:cNvPr id="16" name="Rectangle 15">
-              <a:extLst>
-                <a:ext uri="{FF2B5EF4-FFF2-40B4-BE49-F238E27FC236}">
-                  <a16:creationId xmlns:a16="http://schemas.microsoft.com/office/drawing/2014/main" id="{A7912841-8D49-4A6E-A79D-84DDF6D39288}"/>
-                </a:ext>
-              </a:extLst>
-            </p:cNvPr>
+            <p:cNvPr id="1048659" name="Rectangle 15"/>
             <p:cNvSpPr/>
             <p:nvPr userDrawn="1"/>
           </p:nvSpPr>
@@ -2483,13 +2286,7 @@
         </p:sp>
         <p:sp>
           <p:nvSpPr>
-            <p:cNvPr id="17" name="Rectangle 16">
-              <a:extLst>
-                <a:ext uri="{FF2B5EF4-FFF2-40B4-BE49-F238E27FC236}">
-                  <a16:creationId xmlns:a16="http://schemas.microsoft.com/office/drawing/2014/main" id="{346B4486-4F05-4863-9050-63BBB7AAFF46}"/>
-                </a:ext>
-              </a:extLst>
-            </p:cNvPr>
+            <p:cNvPr id="1048660" name="Rectangle 16"/>
             <p:cNvSpPr/>
             <p:nvPr userDrawn="1"/>
           </p:nvSpPr>
@@ -2538,14 +2335,10 @@
       </p:grpSp>
       <p:cxnSp>
         <p:nvCxnSpPr>
-          <p:cNvPr id="24" name="Straight Connector 23">
-            <a:extLst>
-              <a:ext uri="{FF2B5EF4-FFF2-40B4-BE49-F238E27FC236}">
-                <a16:creationId xmlns:a16="http://schemas.microsoft.com/office/drawing/2014/main" id="{425EDF29-E7FA-42BB-A5D2-94CEEA4E580C}"/>
-              </a:ext>
-            </a:extLst>
-          </p:cNvPr>
-          <p:cNvCxnSpPr/>
+          <p:cNvPr id="3145730" name="Straight Connector 23"/>
+          <p:cNvCxnSpPr>
+            <a:cxnSpLocks/>
+          </p:cNvCxnSpPr>
           <p:nvPr/>
         </p:nvCxnSpPr>
         <p:spPr>
@@ -2582,7 +2375,6 @@
                 </a:gs>
               </a:gsLst>
               <a:lin ang="10800000" scaled="1"/>
-              <a:tileRect/>
             </a:gradFill>
           </a:ln>
         </p:spPr>
@@ -2603,13 +2395,7 @@
       </p:cxnSp>
       <p:sp>
         <p:nvSpPr>
-          <p:cNvPr id="12" name="Content Placeholder 2">
-            <a:extLst>
-              <a:ext uri="{FF2B5EF4-FFF2-40B4-BE49-F238E27FC236}">
-                <a16:creationId xmlns:a16="http://schemas.microsoft.com/office/drawing/2014/main" id="{D1050AD4-29D0-47EA-9708-82FD8FAF1BFE}"/>
-              </a:ext>
-            </a:extLst>
-          </p:cNvPr>
+          <p:cNvPr id="1048661" name="Content Placeholder 2"/>
           <p:cNvSpPr>
             <a:spLocks noGrp="1"/>
           </p:cNvSpPr>
@@ -2666,13 +2452,7 @@
       </p:sp>
       <p:sp>
         <p:nvSpPr>
-          <p:cNvPr id="13" name="Content Placeholder 3">
-            <a:extLst>
-              <a:ext uri="{FF2B5EF4-FFF2-40B4-BE49-F238E27FC236}">
-                <a16:creationId xmlns:a16="http://schemas.microsoft.com/office/drawing/2014/main" id="{0C09F13D-5F40-4714-BA42-EFC264DE9677}"/>
-              </a:ext>
-            </a:extLst>
-          </p:cNvPr>
+          <p:cNvPr id="1048662" name="Content Placeholder 3"/>
           <p:cNvSpPr>
             <a:spLocks noGrp="1"/>
           </p:cNvSpPr>
@@ -2728,11 +2508,6 @@
         </p:txBody>
       </p:sp>
     </p:spTree>
-    <p:extLst>
-      <p:ext uri="{BB962C8B-B14F-4D97-AF65-F5344CB8AC3E}">
-        <p14:creationId xmlns:p14="http://schemas.microsoft.com/office/powerpoint/2010/main" val="2348255563"/>
-      </p:ext>
-    </p:extLst>
   </p:cSld>
   <p:clrMapOvr>
     <a:masterClrMapping/>
@@ -2774,7 +2549,7 @@
       </p:grpSpPr>
       <p:sp>
         <p:nvSpPr>
-          <p:cNvPr id="2" name="Title 1"/>
+          <p:cNvPr id="1048663" name="Title 1"/>
           <p:cNvSpPr>
             <a:spLocks noGrp="1"/>
           </p:cNvSpPr>
@@ -2808,7 +2583,7 @@
       </p:sp>
       <p:sp>
         <p:nvSpPr>
-          <p:cNvPr id="5" name="Footer Placeholder 4"/>
+          <p:cNvPr id="1048664" name="Footer Placeholder 4"/>
           <p:cNvSpPr>
             <a:spLocks noGrp="1"/>
           </p:cNvSpPr>
@@ -2844,7 +2619,7 @@
       </p:sp>
       <p:sp>
         <p:nvSpPr>
-          <p:cNvPr id="6" name="Slide Number Placeholder 5"/>
+          <p:cNvPr id="1048665" name="Slide Number Placeholder 5"/>
           <p:cNvSpPr>
             <a:spLocks noGrp="1"/>
           </p:cNvSpPr>
@@ -2886,13 +2661,7 @@
       </p:sp>
       <p:pic>
         <p:nvPicPr>
-          <p:cNvPr id="10" name="Picture 9" descr="A screenshot of a video game&#10;&#10;Description automatically generated">
-            <a:extLst>
-              <a:ext uri="{FF2B5EF4-FFF2-40B4-BE49-F238E27FC236}">
-                <a16:creationId xmlns:a16="http://schemas.microsoft.com/office/drawing/2014/main" id="{25117F72-A25C-4562-B741-ED2B6BAAA2BC}"/>
-              </a:ext>
-            </a:extLst>
-          </p:cNvPr>
+          <p:cNvPr id="2097169" name="Picture 9" descr="A screenshot of a video game  Description automatically generated"/>
           <p:cNvPicPr>
             <a:picLocks noChangeAspect="1"/>
           </p:cNvPicPr>
@@ -2901,7 +2670,9 @@
         <p:blipFill rotWithShape="1">
           <a:blip r:embed="rId3"/>
           <a:srcRect l="36650" b="772"/>
-          <a:stretch/>
+          <a:stretch>
+            <a:fillRect/>
+          </a:stretch>
         </p:blipFill>
         <p:spPr>
           <a:xfrm>
@@ -2915,13 +2686,7 @@
       </p:pic>
       <p:grpSp>
         <p:nvGrpSpPr>
-          <p:cNvPr id="4" name="Group 3">
-            <a:extLst>
-              <a:ext uri="{FF2B5EF4-FFF2-40B4-BE49-F238E27FC236}">
-                <a16:creationId xmlns:a16="http://schemas.microsoft.com/office/drawing/2014/main" id="{33D72EFA-43C3-4986-8204-6D8755B204AF}"/>
-              </a:ext>
-            </a:extLst>
-          </p:cNvPr>
+          <p:cNvPr id="53" name="Group 3"/>
           <p:cNvGrpSpPr/>
           <p:nvPr/>
         </p:nvGrpSpPr>
@@ -2935,13 +2700,7 @@
         </p:grpSpPr>
         <p:sp>
           <p:nvSpPr>
-            <p:cNvPr id="15" name="Rectangle 14">
-              <a:extLst>
-                <a:ext uri="{FF2B5EF4-FFF2-40B4-BE49-F238E27FC236}">
-                  <a16:creationId xmlns:a16="http://schemas.microsoft.com/office/drawing/2014/main" id="{2CFBAC80-66D2-4E1E-B3CA-BAEBB8E4FB80}"/>
-                </a:ext>
-              </a:extLst>
-            </p:cNvPr>
+            <p:cNvPr id="1048666" name="Rectangle 14"/>
             <p:cNvSpPr/>
             <p:nvPr userDrawn="1"/>
           </p:nvSpPr>
@@ -2989,13 +2748,7 @@
         </p:sp>
         <p:sp>
           <p:nvSpPr>
-            <p:cNvPr id="16" name="Rectangle 15">
-              <a:extLst>
-                <a:ext uri="{FF2B5EF4-FFF2-40B4-BE49-F238E27FC236}">
-                  <a16:creationId xmlns:a16="http://schemas.microsoft.com/office/drawing/2014/main" id="{A7912841-8D49-4A6E-A79D-84DDF6D39288}"/>
-                </a:ext>
-              </a:extLst>
-            </p:cNvPr>
+            <p:cNvPr id="1048667" name="Rectangle 15"/>
             <p:cNvSpPr/>
             <p:nvPr userDrawn="1"/>
           </p:nvSpPr>
@@ -3043,13 +2796,7 @@
         </p:sp>
         <p:sp>
           <p:nvSpPr>
-            <p:cNvPr id="17" name="Rectangle 16">
-              <a:extLst>
-                <a:ext uri="{FF2B5EF4-FFF2-40B4-BE49-F238E27FC236}">
-                  <a16:creationId xmlns:a16="http://schemas.microsoft.com/office/drawing/2014/main" id="{346B4486-4F05-4863-9050-63BBB7AAFF46}"/>
-                </a:ext>
-              </a:extLst>
-            </p:cNvPr>
+            <p:cNvPr id="1048668" name="Rectangle 16"/>
             <p:cNvSpPr/>
             <p:nvPr userDrawn="1"/>
           </p:nvSpPr>
@@ -3098,14 +2845,10 @@
       </p:grpSp>
       <p:cxnSp>
         <p:nvCxnSpPr>
-          <p:cNvPr id="24" name="Straight Connector 23">
-            <a:extLst>
-              <a:ext uri="{FF2B5EF4-FFF2-40B4-BE49-F238E27FC236}">
-                <a16:creationId xmlns:a16="http://schemas.microsoft.com/office/drawing/2014/main" id="{425EDF29-E7FA-42BB-A5D2-94CEEA4E580C}"/>
-              </a:ext>
-            </a:extLst>
-          </p:cNvPr>
-          <p:cNvCxnSpPr/>
+          <p:cNvPr id="3145731" name="Straight Connector 23"/>
+          <p:cNvCxnSpPr>
+            <a:cxnSpLocks/>
+          </p:cNvCxnSpPr>
           <p:nvPr/>
         </p:nvCxnSpPr>
         <p:spPr>
@@ -3142,7 +2885,6 @@
                 </a:gs>
               </a:gsLst>
               <a:lin ang="10800000" scaled="1"/>
-              <a:tileRect/>
             </a:gradFill>
           </a:ln>
         </p:spPr>
@@ -3162,11 +2904,6 @@
         </p:style>
       </p:cxnSp>
     </p:spTree>
-    <p:extLst>
-      <p:ext uri="{BB962C8B-B14F-4D97-AF65-F5344CB8AC3E}">
-        <p14:creationId xmlns:p14="http://schemas.microsoft.com/office/powerpoint/2010/main" val="2842377240"/>
-      </p:ext>
-    </p:extLst>
   </p:cSld>
   <p:clrMapOvr>
     <a:masterClrMapping/>
@@ -3208,7 +2945,7 @@
       </p:grpSpPr>
       <p:sp>
         <p:nvSpPr>
-          <p:cNvPr id="5" name="Footer Placeholder 4"/>
+          <p:cNvPr id="1048645" name="Footer Placeholder 4"/>
           <p:cNvSpPr>
             <a:spLocks noGrp="1"/>
           </p:cNvSpPr>
@@ -3244,7 +2981,7 @@
       </p:sp>
       <p:sp>
         <p:nvSpPr>
-          <p:cNvPr id="6" name="Slide Number Placeholder 5"/>
+          <p:cNvPr id="1048646" name="Slide Number Placeholder 5"/>
           <p:cNvSpPr>
             <a:spLocks noGrp="1"/>
           </p:cNvSpPr>
@@ -3286,13 +3023,7 @@
       </p:sp>
       <p:pic>
         <p:nvPicPr>
-          <p:cNvPr id="10" name="Picture 9" descr="A screenshot of a video game&#10;&#10;Description automatically generated">
-            <a:extLst>
-              <a:ext uri="{FF2B5EF4-FFF2-40B4-BE49-F238E27FC236}">
-                <a16:creationId xmlns:a16="http://schemas.microsoft.com/office/drawing/2014/main" id="{25117F72-A25C-4562-B741-ED2B6BAAA2BC}"/>
-              </a:ext>
-            </a:extLst>
-          </p:cNvPr>
+          <p:cNvPr id="2097166" name="Picture 9" descr="A screenshot of a video game  Description automatically generated"/>
           <p:cNvPicPr>
             <a:picLocks noChangeAspect="1"/>
           </p:cNvPicPr>
@@ -3301,7 +3032,9 @@
         <p:blipFill rotWithShape="1">
           <a:blip r:embed="rId3"/>
           <a:srcRect l="36650" b="772"/>
-          <a:stretch/>
+          <a:stretch>
+            <a:fillRect/>
+          </a:stretch>
         </p:blipFill>
         <p:spPr>
           <a:xfrm>
@@ -3315,13 +3048,7 @@
       </p:pic>
       <p:grpSp>
         <p:nvGrpSpPr>
-          <p:cNvPr id="4" name="Group 3">
-            <a:extLst>
-              <a:ext uri="{FF2B5EF4-FFF2-40B4-BE49-F238E27FC236}">
-                <a16:creationId xmlns:a16="http://schemas.microsoft.com/office/drawing/2014/main" id="{33D72EFA-43C3-4986-8204-6D8755B204AF}"/>
-              </a:ext>
-            </a:extLst>
-          </p:cNvPr>
+          <p:cNvPr id="47" name="Group 3"/>
           <p:cNvGrpSpPr/>
           <p:nvPr/>
         </p:nvGrpSpPr>
@@ -3335,13 +3062,7 @@
         </p:grpSpPr>
         <p:sp>
           <p:nvSpPr>
-            <p:cNvPr id="15" name="Rectangle 14">
-              <a:extLst>
-                <a:ext uri="{FF2B5EF4-FFF2-40B4-BE49-F238E27FC236}">
-                  <a16:creationId xmlns:a16="http://schemas.microsoft.com/office/drawing/2014/main" id="{2CFBAC80-66D2-4E1E-B3CA-BAEBB8E4FB80}"/>
-                </a:ext>
-              </a:extLst>
-            </p:cNvPr>
+            <p:cNvPr id="1048647" name="Rectangle 14"/>
             <p:cNvSpPr/>
             <p:nvPr userDrawn="1"/>
           </p:nvSpPr>
@@ -3389,13 +3110,7 @@
         </p:sp>
         <p:sp>
           <p:nvSpPr>
-            <p:cNvPr id="16" name="Rectangle 15">
-              <a:extLst>
-                <a:ext uri="{FF2B5EF4-FFF2-40B4-BE49-F238E27FC236}">
-                  <a16:creationId xmlns:a16="http://schemas.microsoft.com/office/drawing/2014/main" id="{A7912841-8D49-4A6E-A79D-84DDF6D39288}"/>
-                </a:ext>
-              </a:extLst>
-            </p:cNvPr>
+            <p:cNvPr id="1048648" name="Rectangle 15"/>
             <p:cNvSpPr/>
             <p:nvPr userDrawn="1"/>
           </p:nvSpPr>
@@ -3443,13 +3158,7 @@
         </p:sp>
         <p:sp>
           <p:nvSpPr>
-            <p:cNvPr id="17" name="Rectangle 16">
-              <a:extLst>
-                <a:ext uri="{FF2B5EF4-FFF2-40B4-BE49-F238E27FC236}">
-                  <a16:creationId xmlns:a16="http://schemas.microsoft.com/office/drawing/2014/main" id="{346B4486-4F05-4863-9050-63BBB7AAFF46}"/>
-                </a:ext>
-              </a:extLst>
-            </p:cNvPr>
+            <p:cNvPr id="1048649" name="Rectangle 16"/>
             <p:cNvSpPr/>
             <p:nvPr userDrawn="1"/>
           </p:nvSpPr>
@@ -3497,11 +3206,6 @@
         </p:sp>
       </p:grpSp>
     </p:spTree>
-    <p:extLst>
-      <p:ext uri="{BB962C8B-B14F-4D97-AF65-F5344CB8AC3E}">
-        <p14:creationId xmlns:p14="http://schemas.microsoft.com/office/powerpoint/2010/main" val="4084370870"/>
-      </p:ext>
-    </p:extLst>
   </p:cSld>
   <p:clrMapOvr>
     <a:masterClrMapping/>
@@ -3528,7 +3232,7 @@
       </p:grpSpPr>
       <p:sp>
         <p:nvSpPr>
-          <p:cNvPr id="324610" name="Rectangle 2"/>
+          <p:cNvPr id="1048669" name="Rectangle 2"/>
           <p:cNvSpPr>
             <a:spLocks noGrp="1" noChangeArrowheads="1"/>
           </p:cNvSpPr>
@@ -3563,7 +3267,7 @@
       </p:sp>
       <p:sp>
         <p:nvSpPr>
-          <p:cNvPr id="324611" name="Rectangle 3"/>
+          <p:cNvPr id="1048670" name="Rectangle 3"/>
           <p:cNvSpPr>
             <a:spLocks noGrp="1" noChangeArrowheads="1"/>
           </p:cNvSpPr>
@@ -3606,7 +3310,7 @@
       </p:sp>
       <p:sp>
         <p:nvSpPr>
-          <p:cNvPr id="170" name="Rectangle 325"/>
+          <p:cNvPr id="1048671" name="Rectangle 325"/>
           <p:cNvSpPr>
             <a:spLocks noChangeArrowheads="1"/>
           </p:cNvSpPr>
@@ -3643,7 +3347,6 @@
               <a:buSzPct val="65000"/>
               <a:buFont typeface="Wingdings" pitchFamily="2" charset="2"/>
               <a:buNone/>
-              <a:defRPr/>
             </a:pPr>
             <a:endParaRPr lang="hr-HR" sz="2800" noProof="0" dirty="0">
               <a:solidFill>
@@ -3660,20 +3363,14 @@
       </p:sp>
       <p:pic>
         <p:nvPicPr>
-          <p:cNvPr id="3075" name="Picture 3"/>
+          <p:cNvPr id="2097170" name="Picture 3"/>
           <p:cNvPicPr>
             <a:picLocks noChangeAspect="1" noChangeArrowheads="1"/>
           </p:cNvPicPr>
           <p:nvPr/>
         </p:nvPicPr>
         <p:blipFill>
-          <a:blip r:embed="rId2">
-            <a:extLst>
-              <a:ext uri="{28A0092B-C50C-407E-A947-70E740481C1C}">
-                <a14:useLocalDpi xmlns:a14="http://schemas.microsoft.com/office/drawing/2010/main" val="0"/>
-              </a:ext>
-            </a:extLst>
-          </a:blip>
+          <a:blip r:embed="rId2"/>
           <a:srcRect/>
           <a:stretch>
             <a:fillRect/>
@@ -3691,33 +3388,9 @@
           <a:ln>
             <a:noFill/>
           </a:ln>
-          <a:extLst>
-            <a:ext uri="{909E8E84-426E-40DD-AFC4-6F175D3DCCD1}">
-              <a14:hiddenFill xmlns:a14="http://schemas.microsoft.com/office/drawing/2010/main">
-                <a:solidFill>
-                  <a:schemeClr val="accent1"/>
-                </a:solidFill>
-              </a14:hiddenFill>
-            </a:ext>
-            <a:ext uri="{91240B29-F687-4F45-9708-019B960494DF}">
-              <a14:hiddenLine xmlns:a14="http://schemas.microsoft.com/office/drawing/2010/main" w="9525">
-                <a:solidFill>
-                  <a:schemeClr val="tx1"/>
-                </a:solidFill>
-                <a:miter lim="800000"/>
-                <a:headEnd/>
-                <a:tailEnd/>
-              </a14:hiddenLine>
-            </a:ext>
-          </a:extLst>
         </p:spPr>
       </p:pic>
     </p:spTree>
-    <p:extLst>
-      <p:ext uri="{BB962C8B-B14F-4D97-AF65-F5344CB8AC3E}">
-        <p14:creationId xmlns:p14="http://schemas.microsoft.com/office/powerpoint/2010/main" val="3888929744"/>
-      </p:ext>
-    </p:extLst>
   </p:cSld>
   <p:clrMapOvr>
     <a:masterClrMapping/>
@@ -3745,7 +3418,7 @@
       </p:grpSpPr>
       <p:sp>
         <p:nvSpPr>
-          <p:cNvPr id="2" name="Title 1"/>
+          <p:cNvPr id="1048672" name="Title 1"/>
           <p:cNvSpPr>
             <a:spLocks noGrp="1"/>
           </p:cNvSpPr>
@@ -3773,7 +3446,7 @@
       </p:sp>
       <p:sp>
         <p:nvSpPr>
-          <p:cNvPr id="3" name="Text Placeholder 2"/>
+          <p:cNvPr id="1048673" name="Text Placeholder 2"/>
           <p:cNvSpPr>
             <a:spLocks noGrp="1"/>
           </p:cNvSpPr>
@@ -3830,7 +3503,7 @@
       </p:sp>
       <p:sp>
         <p:nvSpPr>
-          <p:cNvPr id="4" name="Content Placeholder 3"/>
+          <p:cNvPr id="1048674" name="Content Placeholder 3"/>
           <p:cNvSpPr>
             <a:spLocks noGrp="1"/>
           </p:cNvSpPr>
@@ -3887,7 +3560,7 @@
       </p:sp>
       <p:sp>
         <p:nvSpPr>
-          <p:cNvPr id="5" name="Rectangle 4"/>
+          <p:cNvPr id="1048675" name="Rectangle 4"/>
           <p:cNvSpPr>
             <a:spLocks noGrp="1" noChangeArrowheads="1"/>
           </p:cNvSpPr>
@@ -3895,16 +3568,10 @@
             <p:ph type="dt" sz="half" idx="10"/>
           </p:nvPr>
         </p:nvSpPr>
-        <p:spPr>
-          <a:ln/>
-        </p:spPr>
+        <p:spPr/>
         <p:txBody>
           <a:bodyPr/>
-          <a:lstStyle>
-            <a:lvl1pPr>
-              <a:defRPr/>
-            </a:lvl1pPr>
-          </a:lstStyle>
+          <a:lstStyle/>
           <a:p>
             <a:fld id="{E46E8F5E-7C26-4DBA-9CDF-6E3092DFB447}" type="datetime1">
               <a:rPr lang="hr-HR" smtClean="0"/>
@@ -3916,7 +3583,7 @@
       </p:sp>
       <p:sp>
         <p:nvSpPr>
-          <p:cNvPr id="6" name="Rectangle 5"/>
+          <p:cNvPr id="1048676" name="Rectangle 5"/>
           <p:cNvSpPr>
             <a:spLocks noGrp="1" noChangeArrowheads="1"/>
           </p:cNvSpPr>
@@ -3924,16 +3591,10 @@
             <p:ph type="ftr" sz="quarter" idx="11"/>
           </p:nvPr>
         </p:nvSpPr>
-        <p:spPr>
-          <a:ln/>
-        </p:spPr>
+        <p:spPr/>
         <p:txBody>
           <a:bodyPr/>
-          <a:lstStyle>
-            <a:lvl1pPr>
-              <a:defRPr/>
-            </a:lvl1pPr>
-          </a:lstStyle>
+          <a:lstStyle/>
           <a:p>
             <a:endParaRPr lang="hr-HR"/>
           </a:p>
@@ -3941,7 +3602,7 @@
       </p:sp>
       <p:sp>
         <p:nvSpPr>
-          <p:cNvPr id="7" name="Rectangle 6"/>
+          <p:cNvPr id="1048677" name="Rectangle 6"/>
           <p:cNvSpPr>
             <a:spLocks noGrp="1" noChangeArrowheads="1"/>
           </p:cNvSpPr>
@@ -3949,16 +3610,10 @@
             <p:ph type="sldNum" sz="quarter" idx="12"/>
           </p:nvPr>
         </p:nvSpPr>
-        <p:spPr>
-          <a:ln/>
-        </p:spPr>
+        <p:spPr/>
         <p:txBody>
           <a:bodyPr/>
-          <a:lstStyle>
-            <a:lvl1pPr>
-              <a:defRPr/>
-            </a:lvl1pPr>
-          </a:lstStyle>
+          <a:lstStyle/>
           <a:p>
             <a:fld id="{FAA41844-C0CA-4144-9D6C-D993F0C0FAB4}" type="slidenum">
               <a:rPr lang="hr-HR" smtClean="0"/>
@@ -3969,11 +3624,6 @@
         </p:txBody>
       </p:sp>
     </p:spTree>
-    <p:extLst>
-      <p:ext uri="{BB962C8B-B14F-4D97-AF65-F5344CB8AC3E}">
-        <p14:creationId xmlns:p14="http://schemas.microsoft.com/office/powerpoint/2010/main" val="432828595"/>
-      </p:ext>
-    </p:extLst>
   </p:cSld>
   <p:clrMapOvr>
     <a:masterClrMapping/>
@@ -4006,7 +3656,7 @@
       </p:grpSpPr>
       <p:sp>
         <p:nvSpPr>
-          <p:cNvPr id="2" name="Title Placeholder 1"/>
+          <p:cNvPr id="1048576" name="Title Placeholder 1"/>
           <p:cNvSpPr>
             <a:spLocks noGrp="1"/>
           </p:cNvSpPr>
@@ -4039,7 +3689,7 @@
       </p:sp>
       <p:sp>
         <p:nvSpPr>
-          <p:cNvPr id="3" name="Text Placeholder 2"/>
+          <p:cNvPr id="1048577" name="Text Placeholder 2"/>
           <p:cNvSpPr>
             <a:spLocks noGrp="1"/>
           </p:cNvSpPr>
@@ -4101,7 +3751,7 @@
       </p:sp>
       <p:sp>
         <p:nvSpPr>
-          <p:cNvPr id="4" name="Date Placeholder 3"/>
+          <p:cNvPr id="1048578" name="Date Placeholder 3"/>
           <p:cNvSpPr>
             <a:spLocks noGrp="1"/>
           </p:cNvSpPr>
@@ -4142,7 +3792,7 @@
       </p:sp>
       <p:sp>
         <p:nvSpPr>
-          <p:cNvPr id="5" name="Footer Placeholder 4"/>
+          <p:cNvPr id="1048579" name="Footer Placeholder 4"/>
           <p:cNvSpPr>
             <a:spLocks noGrp="1"/>
           </p:cNvSpPr>
@@ -4179,7 +3829,7 @@
       </p:sp>
       <p:sp>
         <p:nvSpPr>
-          <p:cNvPr id="6" name="Slide Number Placeholder 5"/>
+          <p:cNvPr id="1048580" name="Slide Number Placeholder 5"/>
           <p:cNvSpPr>
             <a:spLocks noGrp="1"/>
           </p:cNvSpPr>
@@ -4219,22 +3869,17 @@
         </p:txBody>
       </p:sp>
     </p:spTree>
-    <p:extLst>
-      <p:ext uri="{BB962C8B-B14F-4D97-AF65-F5344CB8AC3E}">
-        <p14:creationId xmlns:p14="http://schemas.microsoft.com/office/powerpoint/2010/main" val="3580548184"/>
-      </p:ext>
-    </p:extLst>
   </p:cSld>
   <p:clrMap bg1="lt1" tx1="dk1" bg2="lt2" tx2="dk2" accent1="accent1" accent2="accent2" accent3="accent3" accent4="accent4" accent5="accent5" accent6="accent6" hlink="hlink" folHlink="folHlink"/>
   <p:sldLayoutIdLst>
-    <p:sldLayoutId id="2147483688" r:id="rId1"/>
-    <p:sldLayoutId id="2147483689" r:id="rId2"/>
-    <p:sldLayoutId id="2147483690" r:id="rId3"/>
-    <p:sldLayoutId id="2147483691" r:id="rId4"/>
-    <p:sldLayoutId id="2147483692" r:id="rId5"/>
-    <p:sldLayoutId id="2147483693" r:id="rId6"/>
-    <p:sldLayoutId id="2147483694" r:id="rId7"/>
-    <p:sldLayoutId id="2147483695" r:id="rId8"/>
+    <p:sldLayoutId id="2147483649" r:id="rId1"/>
+    <p:sldLayoutId id="2147483650" r:id="rId2"/>
+    <p:sldLayoutId id="2147483651" r:id="rId3"/>
+    <p:sldLayoutId id="2147483652" r:id="rId4"/>
+    <p:sldLayoutId id="2147483653" r:id="rId5"/>
+    <p:sldLayoutId id="2147483654" r:id="rId6"/>
+    <p:sldLayoutId id="2147483655" r:id="rId7"/>
+    <p:sldLayoutId id="2147483656" r:id="rId8"/>
   </p:sldLayoutIdLst>
   <p:timing>
     <p:tnLst>
@@ -4273,7 +3918,7 @@
                                           </p:stCondLst>
                                         </p:cTn>
                                         <p:tgtEl>
-                                          <p:spTgt spid="6"/>
+                                          <p:spTgt spid="1048580"/>
                                         </p:tgtEl>
                                         <p:attrNameLst>
                                           <p:attrName>style.visibility</p:attrName>
@@ -4287,7 +3932,7 @@
                                       <p:cBhvr>
                                         <p:cTn id="7" dur="500"/>
                                         <p:tgtEl>
-                                          <p:spTgt spid="6"/>
+                                          <p:spTgt spid="1048580"/>
                                         </p:tgtEl>
                                       </p:cBhvr>
                                     </p:animEffect>
@@ -4322,7 +3967,7 @@
       </p:par>
     </p:tnLst>
     <p:bldLst>
-      <p:bldP spid="6" grpId="0"/>
+      <p:bldP spid="1048580" grpId="0"/>
     </p:bldLst>
   </p:timing>
   <p:hf hdr="0" ftr="0" dt="0"/>
@@ -4628,7 +4273,7 @@
       </p:grpSpPr>
       <p:sp>
         <p:nvSpPr>
-          <p:cNvPr id="2" name="Title 1"/>
+          <p:cNvPr id="1048591" name="Title 1"/>
           <p:cNvSpPr>
             <a:spLocks noGrp="1"/>
           </p:cNvSpPr>
@@ -4664,11 +4309,6 @@
         </p:txBody>
       </p:sp>
     </p:spTree>
-    <p:extLst>
-      <p:ext uri="{BB962C8B-B14F-4D97-AF65-F5344CB8AC3E}">
-        <p14:creationId xmlns:p14="http://schemas.microsoft.com/office/powerpoint/2010/main" val="3853769327"/>
-      </p:ext>
-    </p:extLst>
   </p:cSld>
   <p:clrMapOvr>
     <a:masterClrMapping/>
@@ -4695,13 +4335,7 @@
       </p:grpSpPr>
       <p:sp>
         <p:nvSpPr>
-          <p:cNvPr id="2" name="Title 1">
-            <a:extLst>
-              <a:ext uri="{FF2B5EF4-FFF2-40B4-BE49-F238E27FC236}">
-                <a16:creationId xmlns:a16="http://schemas.microsoft.com/office/drawing/2014/main" id="{61F1D6A6-3DEC-3CF5-6D13-0C9594E31FDF}"/>
-              </a:ext>
-            </a:extLst>
-          </p:cNvPr>
+          <p:cNvPr id="1048620" name="Title 1"/>
           <p:cNvSpPr>
             <a:spLocks noGrp="1"/>
           </p:cNvSpPr>
@@ -4732,13 +4366,7 @@
       </p:sp>
       <p:sp>
         <p:nvSpPr>
-          <p:cNvPr id="3" name="Content Placeholder 2">
-            <a:extLst>
-              <a:ext uri="{FF2B5EF4-FFF2-40B4-BE49-F238E27FC236}">
-                <a16:creationId xmlns:a16="http://schemas.microsoft.com/office/drawing/2014/main" id="{02F64D2A-F329-9FC3-5364-705A6F505467}"/>
-              </a:ext>
-            </a:extLst>
-          </p:cNvPr>
+          <p:cNvPr id="1048621" name="Content Placeholder 2"/>
           <p:cNvSpPr>
             <a:spLocks noGrp="1"/>
           </p:cNvSpPr>
@@ -4919,13 +4547,7 @@
       </p:sp>
       <p:sp>
         <p:nvSpPr>
-          <p:cNvPr id="4" name="Slide Number Placeholder 3">
-            <a:extLst>
-              <a:ext uri="{FF2B5EF4-FFF2-40B4-BE49-F238E27FC236}">
-                <a16:creationId xmlns:a16="http://schemas.microsoft.com/office/drawing/2014/main" id="{B14C9195-7B0B-E541-4DB2-C7E26AB767C0}"/>
-              </a:ext>
-            </a:extLst>
-          </p:cNvPr>
+          <p:cNvPr id="1048622" name="Slide Number Placeholder 3"/>
           <p:cNvSpPr>
             <a:spLocks noGrp="1"/>
           </p:cNvSpPr>
@@ -4947,11 +4569,6 @@
         </p:txBody>
       </p:sp>
     </p:spTree>
-    <p:extLst>
-      <p:ext uri="{BB962C8B-B14F-4D97-AF65-F5344CB8AC3E}">
-        <p14:creationId xmlns:p14="http://schemas.microsoft.com/office/powerpoint/2010/main" val="627070223"/>
-      </p:ext>
-    </p:extLst>
   </p:cSld>
   <p:clrMapOvr>
     <a:masterClrMapping/>
@@ -4978,7 +4595,7 @@
       </p:grpSpPr>
       <p:sp>
         <p:nvSpPr>
-          <p:cNvPr id="2" name="Title 1"/>
+          <p:cNvPr id="1048623" name="Title 1"/>
           <p:cNvSpPr>
             <a:spLocks noGrp="1"/>
           </p:cNvSpPr>
@@ -5000,7 +4617,7 @@
       </p:sp>
       <p:sp>
         <p:nvSpPr>
-          <p:cNvPr id="3" name="Content Placeholder 2"/>
+          <p:cNvPr id="1048624" name="Content Placeholder 2"/>
           <p:cNvSpPr>
             <a:spLocks noGrp="1"/>
           </p:cNvSpPr>
@@ -5161,7 +4778,7 @@
       </p:sp>
       <p:sp>
         <p:nvSpPr>
-          <p:cNvPr id="4" name="Slide Number Placeholder 3"/>
+          <p:cNvPr id="1048625" name="Slide Number Placeholder 3"/>
           <p:cNvSpPr>
             <a:spLocks noGrp="1"/>
           </p:cNvSpPr>
@@ -5183,11 +4800,6 @@
         </p:txBody>
       </p:sp>
     </p:spTree>
-    <p:extLst>
-      <p:ext uri="{BB962C8B-B14F-4D97-AF65-F5344CB8AC3E}">
-        <p14:creationId xmlns:p14="http://schemas.microsoft.com/office/powerpoint/2010/main" val="3389772446"/>
-      </p:ext>
-    </p:extLst>
   </p:cSld>
   <p:clrMapOvr>
     <a:masterClrMapping/>
@@ -5214,13 +4826,7 @@
       </p:grpSpPr>
       <p:sp>
         <p:nvSpPr>
-          <p:cNvPr id="2" name="Naslov 1">
-            <a:extLst>
-              <a:ext uri="{FF2B5EF4-FFF2-40B4-BE49-F238E27FC236}">
-                <a16:creationId xmlns:a16="http://schemas.microsoft.com/office/drawing/2014/main" id="{96F4853A-02C1-4117-951D-9A12EA026A6D}"/>
-              </a:ext>
-            </a:extLst>
-          </p:cNvPr>
+          <p:cNvPr id="1048626" name="Naslov 1"/>
           <p:cNvSpPr>
             <a:spLocks noGrp="1"/>
           </p:cNvSpPr>
@@ -5243,13 +4849,7 @@
       </p:sp>
       <p:sp>
         <p:nvSpPr>
-          <p:cNvPr id="4" name="Rezervirano mjesto broja slajda 3">
-            <a:extLst>
-              <a:ext uri="{FF2B5EF4-FFF2-40B4-BE49-F238E27FC236}">
-                <a16:creationId xmlns:a16="http://schemas.microsoft.com/office/drawing/2014/main" id="{DAE31701-7B44-4F3B-97AF-F4DDFBD85EB3}"/>
-              </a:ext>
-            </a:extLst>
-          </p:cNvPr>
+          <p:cNvPr id="1048627" name="Rezervirano mjesto broja slajda 3"/>
           <p:cNvSpPr>
             <a:spLocks noGrp="1"/>
           </p:cNvSpPr>
@@ -5272,13 +4872,7 @@
       </p:sp>
       <p:sp>
         <p:nvSpPr>
-          <p:cNvPr id="5" name="Strelica: desno 4">
-            <a:extLst>
-              <a:ext uri="{FF2B5EF4-FFF2-40B4-BE49-F238E27FC236}">
-                <a16:creationId xmlns:a16="http://schemas.microsoft.com/office/drawing/2014/main" id="{512F003B-013E-4C43-94B3-BE19C0EB4DF3}"/>
-              </a:ext>
-            </a:extLst>
-          </p:cNvPr>
+          <p:cNvPr id="1048628" name="Strelica: desno 4"/>
           <p:cNvSpPr/>
           <p:nvPr/>
         </p:nvSpPr>
@@ -5332,13 +4926,7 @@
       </p:sp>
       <p:sp>
         <p:nvSpPr>
-          <p:cNvPr id="6" name="TekstniOkvir 5">
-            <a:extLst>
-              <a:ext uri="{FF2B5EF4-FFF2-40B4-BE49-F238E27FC236}">
-                <a16:creationId xmlns:a16="http://schemas.microsoft.com/office/drawing/2014/main" id="{96BF2508-23A5-4002-AABF-CD6251E9692A}"/>
-              </a:ext>
-            </a:extLst>
-          </p:cNvPr>
+          <p:cNvPr id="1048629" name="TekstniOkvir 5"/>
           <p:cNvSpPr txBox="1"/>
           <p:nvPr/>
         </p:nvSpPr>
@@ -5376,13 +4964,7 @@
       </p:sp>
       <p:sp>
         <p:nvSpPr>
-          <p:cNvPr id="7" name="Elipsa 6">
-            <a:extLst>
-              <a:ext uri="{FF2B5EF4-FFF2-40B4-BE49-F238E27FC236}">
-                <a16:creationId xmlns:a16="http://schemas.microsoft.com/office/drawing/2014/main" id="{B4609644-9AC5-41D3-B1C7-EC85AAE0A196}"/>
-              </a:ext>
-            </a:extLst>
-          </p:cNvPr>
+          <p:cNvPr id="1048630" name="Elipsa 6"/>
           <p:cNvSpPr/>
           <p:nvPr/>
         </p:nvSpPr>
@@ -5422,13 +5004,7 @@
       </p:sp>
       <p:sp>
         <p:nvSpPr>
-          <p:cNvPr id="8" name="Elipsa 7">
-            <a:extLst>
-              <a:ext uri="{FF2B5EF4-FFF2-40B4-BE49-F238E27FC236}">
-                <a16:creationId xmlns:a16="http://schemas.microsoft.com/office/drawing/2014/main" id="{67D25F6E-A3A6-4838-AF1D-D0A193210660}"/>
-              </a:ext>
-            </a:extLst>
-          </p:cNvPr>
+          <p:cNvPr id="1048631" name="Elipsa 7"/>
           <p:cNvSpPr/>
           <p:nvPr/>
         </p:nvSpPr>
@@ -5468,13 +5044,7 @@
       </p:sp>
       <p:pic>
         <p:nvPicPr>
-          <p:cNvPr id="9" name="Slika 8">
-            <a:extLst>
-              <a:ext uri="{FF2B5EF4-FFF2-40B4-BE49-F238E27FC236}">
-                <a16:creationId xmlns:a16="http://schemas.microsoft.com/office/drawing/2014/main" id="{5B6F72FE-50A4-4BA6-B46A-389503458592}"/>
-              </a:ext>
-            </a:extLst>
-          </p:cNvPr>
+          <p:cNvPr id="2097161" name="Slika 8"/>
           <p:cNvPicPr>
             <a:picLocks noChangeAspect="1"/>
           </p:cNvPicPr>
@@ -5498,13 +5068,7 @@
       </p:pic>
       <p:sp>
         <p:nvSpPr>
-          <p:cNvPr id="10" name="TekstniOkvir 9">
-            <a:extLst>
-              <a:ext uri="{FF2B5EF4-FFF2-40B4-BE49-F238E27FC236}">
-                <a16:creationId xmlns:a16="http://schemas.microsoft.com/office/drawing/2014/main" id="{4DA7A035-0C48-43CC-B75C-7364ECCBD8A8}"/>
-              </a:ext>
-            </a:extLst>
-          </p:cNvPr>
+          <p:cNvPr id="1048632" name="TekstniOkvir 9"/>
           <p:cNvSpPr txBox="1"/>
           <p:nvPr/>
         </p:nvSpPr>
@@ -5542,13 +5106,7 @@
       </p:sp>
       <p:pic>
         <p:nvPicPr>
-          <p:cNvPr id="11" name="Slika 10">
-            <a:extLst>
-              <a:ext uri="{FF2B5EF4-FFF2-40B4-BE49-F238E27FC236}">
-                <a16:creationId xmlns:a16="http://schemas.microsoft.com/office/drawing/2014/main" id="{7748ADF9-ABCF-4784-B3B7-0F99849EE77F}"/>
-              </a:ext>
-            </a:extLst>
-          </p:cNvPr>
+          <p:cNvPr id="2097162" name="Slika 10"/>
           <p:cNvPicPr>
             <a:picLocks noChangeAspect="1"/>
           </p:cNvPicPr>
@@ -5572,13 +5130,7 @@
       </p:pic>
       <p:pic>
         <p:nvPicPr>
-          <p:cNvPr id="12" name="Slika 11">
-            <a:extLst>
-              <a:ext uri="{FF2B5EF4-FFF2-40B4-BE49-F238E27FC236}">
-                <a16:creationId xmlns:a16="http://schemas.microsoft.com/office/drawing/2014/main" id="{4B8D5B9A-4FEC-471E-9773-8B8238A5D907}"/>
-              </a:ext>
-            </a:extLst>
-          </p:cNvPr>
+          <p:cNvPr id="2097163" name="Slika 11"/>
           <p:cNvPicPr>
             <a:picLocks noChangeAspect="1"/>
           </p:cNvPicPr>
@@ -5602,13 +5154,7 @@
       </p:pic>
       <p:sp>
         <p:nvSpPr>
-          <p:cNvPr id="13" name="TekstniOkvir 12">
-            <a:extLst>
-              <a:ext uri="{FF2B5EF4-FFF2-40B4-BE49-F238E27FC236}">
-                <a16:creationId xmlns:a16="http://schemas.microsoft.com/office/drawing/2014/main" id="{60767998-D066-4A01-8934-2922A5F25BB3}"/>
-              </a:ext>
-            </a:extLst>
-          </p:cNvPr>
+          <p:cNvPr id="1048633" name="TekstniOkvir 12"/>
           <p:cNvSpPr txBox="1"/>
           <p:nvPr/>
         </p:nvSpPr>
@@ -5646,13 +5192,7 @@
       </p:sp>
       <p:sp>
         <p:nvSpPr>
-          <p:cNvPr id="14" name="TekstniOkvir 13">
-            <a:extLst>
-              <a:ext uri="{FF2B5EF4-FFF2-40B4-BE49-F238E27FC236}">
-                <a16:creationId xmlns:a16="http://schemas.microsoft.com/office/drawing/2014/main" id="{CAB8E635-0CF7-4B06-8F6E-8E5BCA71975D}"/>
-              </a:ext>
-            </a:extLst>
-          </p:cNvPr>
+          <p:cNvPr id="1048634" name="TekstniOkvir 13"/>
           <p:cNvSpPr txBox="1"/>
           <p:nvPr/>
         </p:nvSpPr>
@@ -5690,13 +5230,7 @@
       </p:sp>
       <p:sp>
         <p:nvSpPr>
-          <p:cNvPr id="15" name="TekstniOkvir 14">
-            <a:extLst>
-              <a:ext uri="{FF2B5EF4-FFF2-40B4-BE49-F238E27FC236}">
-                <a16:creationId xmlns:a16="http://schemas.microsoft.com/office/drawing/2014/main" id="{C597A59E-7E01-4E3B-8C2D-E553717969C6}"/>
-              </a:ext>
-            </a:extLst>
-          </p:cNvPr>
+          <p:cNvPr id="1048635" name="TekstniOkvir 14"/>
           <p:cNvSpPr txBox="1"/>
           <p:nvPr/>
         </p:nvSpPr>
@@ -5733,11 +5267,6 @@
         </p:txBody>
       </p:sp>
     </p:spTree>
-    <p:extLst>
-      <p:ext uri="{BB962C8B-B14F-4D97-AF65-F5344CB8AC3E}">
-        <p14:creationId xmlns:p14="http://schemas.microsoft.com/office/powerpoint/2010/main" val="3416978306"/>
-      </p:ext>
-    </p:extLst>
   </p:cSld>
   <p:clrMapOvr>
     <a:masterClrMapping/>
@@ -5764,7 +5293,7 @@
       </p:grpSpPr>
       <p:sp>
         <p:nvSpPr>
-          <p:cNvPr id="2" name="Title 1"/>
+          <p:cNvPr id="1048636" name="Title 1"/>
           <p:cNvSpPr>
             <a:spLocks noGrp="1"/>
           </p:cNvSpPr>
@@ -5786,7 +5315,7 @@
       </p:sp>
       <p:sp>
         <p:nvSpPr>
-          <p:cNvPr id="3" name="Content Placeholder 2"/>
+          <p:cNvPr id="1048637" name="Content Placeholder 2"/>
           <p:cNvSpPr>
             <a:spLocks noGrp="1"/>
           </p:cNvSpPr>
@@ -5823,8 +5352,21 @@
             </a:r>
             <a:r>
               <a:rPr lang="hr-HR" sz="2400" dirty="0"/>
-              <a:t>: naučili koristiti nove tehnologije te ih uspješno integrirali</a:t>
-            </a:r>
+              <a:t>: naučili </a:t>
+            </a:r>
+            <a:r>
+              <a:rPr lang="en-US" sz="2400" dirty="0"/>
+              <a:t>smo </a:t>
+            </a:r>
+            <a:r>
+              <a:rPr lang="hr-HR" sz="2400" dirty="0"/>
+              <a:t>koristiti nove tehnologije te ih uspješno integrira</a:t>
+            </a:r>
+            <a:r>
+              <a:rPr lang="en-US" sz="2400" dirty="0"/>
+              <a:t>ti</a:t>
+            </a:r>
+            <a:endParaRPr lang="zh-CN" altLang="en-US"/>
           </a:p>
           <a:p>
             <a:r>
@@ -5836,7 +5378,7 @@
       </p:sp>
       <p:sp>
         <p:nvSpPr>
-          <p:cNvPr id="4" name="Slide Number Placeholder 3"/>
+          <p:cNvPr id="1048638" name="Slide Number Placeholder 3"/>
           <p:cNvSpPr>
             <a:spLocks noGrp="1"/>
           </p:cNvSpPr>
@@ -5859,13 +5401,7 @@
       </p:sp>
       <p:pic>
         <p:nvPicPr>
-          <p:cNvPr id="5" name="Slika 4">
-            <a:extLst>
-              <a:ext uri="{FF2B5EF4-FFF2-40B4-BE49-F238E27FC236}">
-                <a16:creationId xmlns:a16="http://schemas.microsoft.com/office/drawing/2014/main" id="{024A8822-CF70-2D14-20E2-97EB765F5808}"/>
-              </a:ext>
-            </a:extLst>
-          </p:cNvPr>
+          <p:cNvPr id="2097164" name="Slika 4"/>
           <p:cNvPicPr>
             <a:picLocks noChangeAspect="1"/>
           </p:cNvPicPr>
@@ -5888,11 +5424,6 @@
         </p:spPr>
       </p:pic>
     </p:spTree>
-    <p:extLst>
-      <p:ext uri="{BB962C8B-B14F-4D97-AF65-F5344CB8AC3E}">
-        <p14:creationId xmlns:p14="http://schemas.microsoft.com/office/powerpoint/2010/main" val="48259320"/>
-      </p:ext>
-    </p:extLst>
   </p:cSld>
   <p:clrMapOvr>
     <a:masterClrMapping/>
@@ -5919,7 +5450,7 @@
       </p:grpSpPr>
       <p:sp>
         <p:nvSpPr>
-          <p:cNvPr id="2" name="Title 1"/>
+          <p:cNvPr id="1048639" name="Title 1"/>
           <p:cNvSpPr>
             <a:spLocks noGrp="1"/>
           </p:cNvSpPr>
@@ -5941,7 +5472,7 @@
       </p:sp>
       <p:sp>
         <p:nvSpPr>
-          <p:cNvPr id="3" name="Content Placeholder 2"/>
+          <p:cNvPr id="1048640" name="Content Placeholder 2"/>
           <p:cNvSpPr>
             <a:spLocks noGrp="1"/>
           </p:cNvSpPr>
@@ -5978,7 +5509,7 @@
       </p:sp>
       <p:sp>
         <p:nvSpPr>
-          <p:cNvPr id="4" name="Slide Number Placeholder 3"/>
+          <p:cNvPr id="1048641" name="Slide Number Placeholder 3"/>
           <p:cNvSpPr>
             <a:spLocks noGrp="1"/>
           </p:cNvSpPr>
@@ -6001,13 +5532,7 @@
       </p:sp>
       <p:pic>
         <p:nvPicPr>
-          <p:cNvPr id="6" name="Slika 5">
-            <a:extLst>
-              <a:ext uri="{FF2B5EF4-FFF2-40B4-BE49-F238E27FC236}">
-                <a16:creationId xmlns:a16="http://schemas.microsoft.com/office/drawing/2014/main" id="{B10FFC89-50D1-0B1C-7D77-B49180A9C4C9}"/>
-              </a:ext>
-            </a:extLst>
-          </p:cNvPr>
+          <p:cNvPr id="2097165" name="Slika 5"/>
           <p:cNvPicPr>
             <a:picLocks noChangeAspect="1"/>
           </p:cNvPicPr>
@@ -6016,7 +5541,9 @@
         <p:blipFill rotWithShape="1">
           <a:blip r:embed="rId2"/>
           <a:srcRect l="-725" t="22604" b="11967"/>
-          <a:stretch/>
+          <a:stretch>
+            <a:fillRect/>
+          </a:stretch>
         </p:blipFill>
         <p:spPr>
           <a:xfrm>
@@ -6029,11 +5556,6 @@
         </p:spPr>
       </p:pic>
     </p:spTree>
-    <p:extLst>
-      <p:ext uri="{BB962C8B-B14F-4D97-AF65-F5344CB8AC3E}">
-        <p14:creationId xmlns:p14="http://schemas.microsoft.com/office/powerpoint/2010/main" val="2313367703"/>
-      </p:ext>
-    </p:extLst>
   </p:cSld>
   <p:clrMapOvr>
     <a:masterClrMapping/>
@@ -6060,13 +5582,7 @@
       </p:grpSpPr>
       <p:sp>
         <p:nvSpPr>
-          <p:cNvPr id="2" name="Naslov 1">
-            <a:extLst>
-              <a:ext uri="{FF2B5EF4-FFF2-40B4-BE49-F238E27FC236}">
-                <a16:creationId xmlns:a16="http://schemas.microsoft.com/office/drawing/2014/main" id="{FAA6C06C-D7C6-4DE6-A2DB-32E03FD5FFF3}"/>
-              </a:ext>
-            </a:extLst>
-          </p:cNvPr>
+          <p:cNvPr id="1048642" name="Naslov 1"/>
           <p:cNvSpPr>
             <a:spLocks noGrp="1"/>
           </p:cNvSpPr>
@@ -6089,13 +5605,7 @@
       </p:sp>
       <p:sp>
         <p:nvSpPr>
-          <p:cNvPr id="3" name="Rezervirano mjesto sadržaja 2">
-            <a:extLst>
-              <a:ext uri="{FF2B5EF4-FFF2-40B4-BE49-F238E27FC236}">
-                <a16:creationId xmlns:a16="http://schemas.microsoft.com/office/drawing/2014/main" id="{FEF3B6C9-C4F3-42DA-8E7C-AC1807205372}"/>
-              </a:ext>
-            </a:extLst>
-          </p:cNvPr>
+          <p:cNvPr id="1048643" name="Rezervirano mjesto sadržaja 2"/>
           <p:cNvSpPr>
             <a:spLocks noGrp="1"/>
           </p:cNvSpPr>
@@ -6186,13 +5696,7 @@
       </p:sp>
       <p:sp>
         <p:nvSpPr>
-          <p:cNvPr id="4" name="Rezervirano mjesto broja slajda 3">
-            <a:extLst>
-              <a:ext uri="{FF2B5EF4-FFF2-40B4-BE49-F238E27FC236}">
-                <a16:creationId xmlns:a16="http://schemas.microsoft.com/office/drawing/2014/main" id="{311BA948-F9E6-47EF-A11E-85C6573C0748}"/>
-              </a:ext>
-            </a:extLst>
-          </p:cNvPr>
+          <p:cNvPr id="1048644" name="Rezervirano mjesto broja slajda 3"/>
           <p:cNvSpPr>
             <a:spLocks noGrp="1"/>
           </p:cNvSpPr>
@@ -6214,11 +5718,6 @@
         </p:txBody>
       </p:sp>
     </p:spTree>
-    <p:extLst>
-      <p:ext uri="{BB962C8B-B14F-4D97-AF65-F5344CB8AC3E}">
-        <p14:creationId xmlns:p14="http://schemas.microsoft.com/office/powerpoint/2010/main" val="2430883544"/>
-      </p:ext>
-    </p:extLst>
   </p:cSld>
   <p:clrMapOvr>
     <a:masterClrMapping/>
@@ -6245,7 +5744,7 @@
       </p:grpSpPr>
       <p:sp>
         <p:nvSpPr>
-          <p:cNvPr id="2" name="Title 1"/>
+          <p:cNvPr id="1048599" name="Title 1"/>
           <p:cNvSpPr>
             <a:spLocks noGrp="1"/>
           </p:cNvSpPr>
@@ -6267,7 +5766,7 @@
       </p:sp>
       <p:sp>
         <p:nvSpPr>
-          <p:cNvPr id="3" name="Content Placeholder 2"/>
+          <p:cNvPr id="1048600" name="Content Placeholder 2"/>
           <p:cNvSpPr>
             <a:spLocks noGrp="1"/>
           </p:cNvSpPr>
@@ -6319,7 +5818,7 @@
       </p:sp>
       <p:sp>
         <p:nvSpPr>
-          <p:cNvPr id="4" name="Slide Number Placeholder 3"/>
+          <p:cNvPr id="1048601" name="Slide Number Placeholder 3"/>
           <p:cNvSpPr>
             <a:spLocks noGrp="1"/>
           </p:cNvSpPr>
@@ -6341,11 +5840,6 @@
         </p:txBody>
       </p:sp>
     </p:spTree>
-    <p:extLst>
-      <p:ext uri="{BB962C8B-B14F-4D97-AF65-F5344CB8AC3E}">
-        <p14:creationId xmlns:p14="http://schemas.microsoft.com/office/powerpoint/2010/main" val="1307531060"/>
-      </p:ext>
-    </p:extLst>
   </p:cSld>
   <p:clrMapOvr>
     <a:masterClrMapping/>
@@ -6372,13 +5866,7 @@
       </p:grpSpPr>
       <p:sp>
         <p:nvSpPr>
-          <p:cNvPr id="2" name="Title 1">
-            <a:extLst>
-              <a:ext uri="{FF2B5EF4-FFF2-40B4-BE49-F238E27FC236}">
-                <a16:creationId xmlns:a16="http://schemas.microsoft.com/office/drawing/2014/main" id="{7CEEEFE2-0E87-C862-EA2A-11CE3190D216}"/>
-              </a:ext>
-            </a:extLst>
-          </p:cNvPr>
+          <p:cNvPr id="1048602" name="Title 1"/>
           <p:cNvSpPr>
             <a:spLocks noGrp="1"/>
           </p:cNvSpPr>
@@ -6409,13 +5897,7 @@
       </p:sp>
       <p:sp>
         <p:nvSpPr>
-          <p:cNvPr id="3" name="Content Placeholder 2">
-            <a:extLst>
-              <a:ext uri="{FF2B5EF4-FFF2-40B4-BE49-F238E27FC236}">
-                <a16:creationId xmlns:a16="http://schemas.microsoft.com/office/drawing/2014/main" id="{508B8C00-8248-A3F2-C0FB-65F0B6FDAFAB}"/>
-              </a:ext>
-            </a:extLst>
-          </p:cNvPr>
+          <p:cNvPr id="1048603" name="Content Placeholder 2"/>
           <p:cNvSpPr>
             <a:spLocks noGrp="1"/>
           </p:cNvSpPr>
@@ -6462,11 +5944,15 @@
           <a:p>
             <a:r>
               <a:rPr lang="hr-HR" sz="2400" dirty="0"/>
-              <a:t>Dora Bilić-</a:t>
-            </a:r>
-            <a:r>
-              <a:rPr lang="hr-HR" sz="2400" dirty="0" err="1"/>
-              <a:t>Pavlinović</a:t>
+              <a:t>Dora Bilić</a:t>
+            </a:r>
+            <a:r>
+              <a:rPr lang="en-US" sz="2400" dirty="0"/>
+              <a:t>-Pavlinovi</a:t>
+            </a:r>
+            <a:r>
+              <a:rPr lang="hr-HR" altLang="en-US" sz="2400" dirty="0"/>
+              <a:t>ć</a:t>
             </a:r>
             <a:r>
               <a:rPr lang="hr-HR" sz="2400" dirty="0"/>
@@ -6542,13 +6028,7 @@
       </p:sp>
       <p:sp>
         <p:nvSpPr>
-          <p:cNvPr id="4" name="Slide Number Placeholder 3">
-            <a:extLst>
-              <a:ext uri="{FF2B5EF4-FFF2-40B4-BE49-F238E27FC236}">
-                <a16:creationId xmlns:a16="http://schemas.microsoft.com/office/drawing/2014/main" id="{1F2ED4CF-678A-0529-FC12-9BA325545021}"/>
-              </a:ext>
-            </a:extLst>
-          </p:cNvPr>
+          <p:cNvPr id="1048604" name="Slide Number Placeholder 3"/>
           <p:cNvSpPr>
             <a:spLocks noGrp="1"/>
           </p:cNvSpPr>
@@ -6570,11 +6050,6 @@
         </p:txBody>
       </p:sp>
     </p:spTree>
-    <p:extLst>
-      <p:ext uri="{BB962C8B-B14F-4D97-AF65-F5344CB8AC3E}">
-        <p14:creationId xmlns:p14="http://schemas.microsoft.com/office/powerpoint/2010/main" val="1667652035"/>
-      </p:ext>
-    </p:extLst>
   </p:cSld>
   <p:clrMapOvr>
     <a:masterClrMapping/>
@@ -6601,7 +6076,7 @@
       </p:grpSpPr>
       <p:sp>
         <p:nvSpPr>
-          <p:cNvPr id="2" name="Title 1"/>
+          <p:cNvPr id="1048605" name="Title 1"/>
           <p:cNvSpPr>
             <a:spLocks noGrp="1"/>
           </p:cNvSpPr>
@@ -6623,7 +6098,7 @@
       </p:sp>
       <p:sp>
         <p:nvSpPr>
-          <p:cNvPr id="3" name="Content Placeholder 2"/>
+          <p:cNvPr id="1048606" name="Content Placeholder 2"/>
           <p:cNvSpPr>
             <a:spLocks noGrp="1"/>
           </p:cNvSpPr>
@@ -6652,8 +6127,17 @@
           <a:p>
             <a:r>
               <a:rPr lang="hr-HR" sz="2400" dirty="0"/>
-              <a:t>Korisniku je omogućeno i pokretanje prošlih i nasumičnih, odnosno virtualnih natjecanja kako bi se mogli pratiti svoj napredak</a:t>
-            </a:r>
+              <a:t>Korisniku je omogućeno i pokretanje prošlih i nasumičnih, odnosno virtualnih natjecanja kako bi m</a:t>
+            </a:r>
+            <a:r>
+              <a:rPr lang="en-US" sz="2400" dirty="0"/>
+              <a:t>ogao p</a:t>
+            </a:r>
+            <a:r>
+              <a:rPr lang="hr-HR" sz="2400" dirty="0"/>
+              <a:t>ratiti svoj napredak</a:t>
+            </a:r>
+            <a:endParaRPr lang="zh-CN" altLang="en-US"/>
           </a:p>
           <a:p>
             <a:pPr marL="0" indent="0">
@@ -6665,7 +6149,7 @@
       </p:sp>
       <p:sp>
         <p:nvSpPr>
-          <p:cNvPr id="4" name="Slide Number Placeholder 3"/>
+          <p:cNvPr id="1048607" name="Slide Number Placeholder 3"/>
           <p:cNvSpPr>
             <a:spLocks noGrp="1"/>
           </p:cNvSpPr>
@@ -6688,26 +6172,14 @@
       </p:sp>
       <p:pic>
         <p:nvPicPr>
-          <p:cNvPr id="1028" name="Picture 4" descr="Myths around Java programming language you shouldn't believe | TechGig">
-            <a:extLst>
-              <a:ext uri="{FF2B5EF4-FFF2-40B4-BE49-F238E27FC236}">
-                <a16:creationId xmlns:a16="http://schemas.microsoft.com/office/drawing/2014/main" id="{96A75542-1701-82EF-EB5E-980A99D1B32F}"/>
-              </a:ext>
-            </a:extLst>
-          </p:cNvPr>
+          <p:cNvPr id="2097156" name="Picture 4" descr="Myths around Java programming language you shouldn't believe | TechGig"/>
           <p:cNvPicPr>
             <a:picLocks noChangeAspect="1" noChangeArrowheads="1"/>
           </p:cNvPicPr>
           <p:nvPr/>
         </p:nvPicPr>
         <p:blipFill>
-          <a:blip r:embed="rId2">
-            <a:extLst>
-              <a:ext uri="{28A0092B-C50C-407E-A947-70E740481C1C}">
-                <a14:useLocalDpi xmlns:a14="http://schemas.microsoft.com/office/drawing/2010/main" val="0"/>
-              </a:ext>
-            </a:extLst>
-          </a:blip>
+          <a:blip r:embed="rId2"/>
           <a:srcRect/>
           <a:stretch>
             <a:fillRect/>
@@ -6722,23 +6194,9 @@
             <a:avLst/>
           </a:prstGeom>
           <a:noFill/>
-          <a:extLst>
-            <a:ext uri="{909E8E84-426E-40DD-AFC4-6F175D3DCCD1}">
-              <a14:hiddenFill xmlns:a14="http://schemas.microsoft.com/office/drawing/2010/main">
-                <a:solidFill>
-                  <a:srgbClr val="FFFFFF"/>
-                </a:solidFill>
-              </a14:hiddenFill>
-            </a:ext>
-          </a:extLst>
         </p:spPr>
       </p:pic>
     </p:spTree>
-    <p:extLst>
-      <p:ext uri="{BB962C8B-B14F-4D97-AF65-F5344CB8AC3E}">
-        <p14:creationId xmlns:p14="http://schemas.microsoft.com/office/powerpoint/2010/main" val="1428908178"/>
-      </p:ext>
-    </p:extLst>
   </p:cSld>
   <p:clrMapOvr>
     <a:masterClrMapping/>
@@ -6765,13 +6223,7 @@
       </p:grpSpPr>
       <p:sp>
         <p:nvSpPr>
-          <p:cNvPr id="2" name="Naslov 1">
-            <a:extLst>
-              <a:ext uri="{FF2B5EF4-FFF2-40B4-BE49-F238E27FC236}">
-                <a16:creationId xmlns:a16="http://schemas.microsoft.com/office/drawing/2014/main" id="{67BBCDED-3628-D9E2-A11B-C2BC598AB11C}"/>
-              </a:ext>
-            </a:extLst>
-          </p:cNvPr>
+          <p:cNvPr id="1048608" name="Naslov 1"/>
           <p:cNvSpPr>
             <a:spLocks noGrp="1"/>
           </p:cNvSpPr>
@@ -6793,13 +6245,7 @@
       </p:sp>
       <p:sp>
         <p:nvSpPr>
-          <p:cNvPr id="3" name="Rezervirano mjesto sadržaja 2">
-            <a:extLst>
-              <a:ext uri="{FF2B5EF4-FFF2-40B4-BE49-F238E27FC236}">
-                <a16:creationId xmlns:a16="http://schemas.microsoft.com/office/drawing/2014/main" id="{35ADA7C4-6533-7622-AD0A-AA841821429C}"/>
-              </a:ext>
-            </a:extLst>
-          </p:cNvPr>
+          <p:cNvPr id="1048609" name="Rezervirano mjesto sadržaja 2"/>
           <p:cNvSpPr>
             <a:spLocks noGrp="1"/>
           </p:cNvSpPr>
@@ -6841,13 +6287,7 @@
       </p:sp>
       <p:sp>
         <p:nvSpPr>
-          <p:cNvPr id="4" name="Rezervirano mjesto broja slajda 3">
-            <a:extLst>
-              <a:ext uri="{FF2B5EF4-FFF2-40B4-BE49-F238E27FC236}">
-                <a16:creationId xmlns:a16="http://schemas.microsoft.com/office/drawing/2014/main" id="{11EB0521-58E6-3800-E549-68062F9E0778}"/>
-              </a:ext>
-            </a:extLst>
-          </p:cNvPr>
+          <p:cNvPr id="1048610" name="Rezervirano mjesto broja slajda 3"/>
           <p:cNvSpPr>
             <a:spLocks noGrp="1"/>
           </p:cNvSpPr>
@@ -6870,13 +6310,7 @@
       </p:sp>
       <p:pic>
         <p:nvPicPr>
-          <p:cNvPr id="6" name="Slika 5">
-            <a:extLst>
-              <a:ext uri="{FF2B5EF4-FFF2-40B4-BE49-F238E27FC236}">
-                <a16:creationId xmlns:a16="http://schemas.microsoft.com/office/drawing/2014/main" id="{93457595-6B7F-5F10-35F8-D3B97258F70F}"/>
-              </a:ext>
-            </a:extLst>
-          </p:cNvPr>
+          <p:cNvPr id="2097157" name="Slika 5"/>
           <p:cNvPicPr>
             <a:picLocks noChangeAspect="1"/>
           </p:cNvPicPr>
@@ -6899,11 +6333,6 @@
         </p:spPr>
       </p:pic>
     </p:spTree>
-    <p:extLst>
-      <p:ext uri="{BB962C8B-B14F-4D97-AF65-F5344CB8AC3E}">
-        <p14:creationId xmlns:p14="http://schemas.microsoft.com/office/powerpoint/2010/main" val="790967989"/>
-      </p:ext>
-    </p:extLst>
   </p:cSld>
   <p:clrMapOvr>
     <a:masterClrMapping/>
@@ -6930,13 +6359,7 @@
       </p:grpSpPr>
       <p:sp>
         <p:nvSpPr>
-          <p:cNvPr id="2" name="Naslov 1">
-            <a:extLst>
-              <a:ext uri="{FF2B5EF4-FFF2-40B4-BE49-F238E27FC236}">
-                <a16:creationId xmlns:a16="http://schemas.microsoft.com/office/drawing/2014/main" id="{7AB07408-0B13-47FE-8229-595C2D0D1EE3}"/>
-              </a:ext>
-            </a:extLst>
-          </p:cNvPr>
+          <p:cNvPr id="1048611" name="Naslov 1"/>
           <p:cNvSpPr>
             <a:spLocks noGrp="1"/>
           </p:cNvSpPr>
@@ -6959,13 +6382,7 @@
       </p:sp>
       <p:pic>
         <p:nvPicPr>
-          <p:cNvPr id="6" name="Rezervirano mjesto sadržaja 5" descr="Slika na kojoj se prikazuje tekst, dijagram, snimka zaslona, crta&#10;&#10;Opis je automatski generiran">
-            <a:extLst>
-              <a:ext uri="{FF2B5EF4-FFF2-40B4-BE49-F238E27FC236}">
-                <a16:creationId xmlns:a16="http://schemas.microsoft.com/office/drawing/2014/main" id="{619A76DB-7CA3-4EBD-B837-E2142EA2EEA9}"/>
-              </a:ext>
-            </a:extLst>
-          </p:cNvPr>
+          <p:cNvPr id="2097158" name="Rezervirano mjesto sadržaja 5" descr="Slika na kojoj se prikazuje tekst, dijagram, snimka zaslona, crta  Opis je automatski generiran"/>
           <p:cNvPicPr>
             <a:picLocks noGrp="1" noChangeAspect="1"/>
           </p:cNvPicPr>
@@ -6974,13 +6391,7 @@
           </p:nvPr>
         </p:nvPicPr>
         <p:blipFill>
-          <a:blip r:embed="rId2">
-            <a:extLst>
-              <a:ext uri="{28A0092B-C50C-407E-A947-70E740481C1C}">
-                <a14:useLocalDpi xmlns:a14="http://schemas.microsoft.com/office/drawing/2010/main" val="0"/>
-              </a:ext>
-            </a:extLst>
-          </a:blip>
+          <a:blip r:embed="rId2"/>
           <a:stretch>
             <a:fillRect/>
           </a:stretch>
@@ -6994,13 +6405,7 @@
       </p:pic>
       <p:sp>
         <p:nvSpPr>
-          <p:cNvPr id="4" name="Rezervirano mjesto broja slajda 3">
-            <a:extLst>
-              <a:ext uri="{FF2B5EF4-FFF2-40B4-BE49-F238E27FC236}">
-                <a16:creationId xmlns:a16="http://schemas.microsoft.com/office/drawing/2014/main" id="{C77EAABC-714B-44C2-9D88-1ECD886AD69B}"/>
-              </a:ext>
-            </a:extLst>
-          </p:cNvPr>
+          <p:cNvPr id="1048612" name="Rezervirano mjesto broja slajda 3"/>
           <p:cNvSpPr>
             <a:spLocks noGrp="1"/>
           </p:cNvSpPr>
@@ -7022,11 +6427,6 @@
         </p:txBody>
       </p:sp>
     </p:spTree>
-    <p:extLst>
-      <p:ext uri="{BB962C8B-B14F-4D97-AF65-F5344CB8AC3E}">
-        <p14:creationId xmlns:p14="http://schemas.microsoft.com/office/powerpoint/2010/main" val="36236223"/>
-      </p:ext>
-    </p:extLst>
   </p:cSld>
   <p:clrMapOvr>
     <a:masterClrMapping/>
@@ -7053,13 +6453,7 @@
       </p:grpSpPr>
       <p:sp>
         <p:nvSpPr>
-          <p:cNvPr id="2" name="Naslov 1">
-            <a:extLst>
-              <a:ext uri="{FF2B5EF4-FFF2-40B4-BE49-F238E27FC236}">
-                <a16:creationId xmlns:a16="http://schemas.microsoft.com/office/drawing/2014/main" id="{2002D396-A74D-4AC5-904C-C047D07317D4}"/>
-              </a:ext>
-            </a:extLst>
-          </p:cNvPr>
+          <p:cNvPr id="1048613" name="Naslov 1"/>
           <p:cNvSpPr>
             <a:spLocks noGrp="1"/>
           </p:cNvSpPr>
@@ -7082,13 +6476,7 @@
       </p:sp>
       <p:pic>
         <p:nvPicPr>
-          <p:cNvPr id="6" name="Rezervirano mjesto sadržaja 5" descr="Slika na kojoj se prikazuje tekst, dijagram, snimka zaslona, crta&#10;&#10;Opis je automatski generiran">
-            <a:extLst>
-              <a:ext uri="{FF2B5EF4-FFF2-40B4-BE49-F238E27FC236}">
-                <a16:creationId xmlns:a16="http://schemas.microsoft.com/office/drawing/2014/main" id="{22904D41-2B80-4936-BA25-7F5E00025775}"/>
-              </a:ext>
-            </a:extLst>
-          </p:cNvPr>
+          <p:cNvPr id="2097159" name="Rezervirano mjesto sadržaja 5"/>
           <p:cNvPicPr>
             <a:picLocks noGrp="1" noChangeAspect="1"/>
           </p:cNvPicPr>
@@ -7104,26 +6492,19 @@
               </a:ext>
             </a:extLst>
           </a:blip>
-          <a:stretch>
-            <a:fillRect/>
-          </a:stretch>
+          <a:srcRect/>
+          <a:stretch/>
         </p:blipFill>
         <p:spPr>
           <a:xfrm>
-            <a:off x="1222794" y="1395413"/>
-            <a:ext cx="6698411" cy="4930775"/>
+            <a:off x="1222794" y="1404150"/>
+            <a:ext cx="6698411" cy="4913301"/>
           </a:xfrm>
         </p:spPr>
       </p:pic>
       <p:sp>
         <p:nvSpPr>
-          <p:cNvPr id="4" name="Rezervirano mjesto broja slajda 3">
-            <a:extLst>
-              <a:ext uri="{FF2B5EF4-FFF2-40B4-BE49-F238E27FC236}">
-                <a16:creationId xmlns:a16="http://schemas.microsoft.com/office/drawing/2014/main" id="{54E16192-0678-4A72-A207-B85D62AF6BC4}"/>
-              </a:ext>
-            </a:extLst>
-          </p:cNvPr>
+          <p:cNvPr id="1048614" name="Rezervirano mjesto broja slajda 3"/>
           <p:cNvSpPr>
             <a:spLocks noGrp="1"/>
           </p:cNvSpPr>
@@ -7145,11 +6526,6 @@
         </p:txBody>
       </p:sp>
     </p:spTree>
-    <p:extLst>
-      <p:ext uri="{BB962C8B-B14F-4D97-AF65-F5344CB8AC3E}">
-        <p14:creationId xmlns:p14="http://schemas.microsoft.com/office/powerpoint/2010/main" val="2792819620"/>
-      </p:ext>
-    </p:extLst>
   </p:cSld>
   <p:clrMapOvr>
     <a:masterClrMapping/>
@@ -7176,13 +6552,7 @@
       </p:grpSpPr>
       <p:sp>
         <p:nvSpPr>
-          <p:cNvPr id="2" name="Naslov 1">
-            <a:extLst>
-              <a:ext uri="{FF2B5EF4-FFF2-40B4-BE49-F238E27FC236}">
-                <a16:creationId xmlns:a16="http://schemas.microsoft.com/office/drawing/2014/main" id="{66A73900-71C1-4842-9B05-4EC3979EA4A8}"/>
-              </a:ext>
-            </a:extLst>
-          </p:cNvPr>
+          <p:cNvPr id="1048615" name="Naslov 1"/>
           <p:cNvSpPr>
             <a:spLocks noGrp="1"/>
           </p:cNvSpPr>
@@ -7205,13 +6575,7 @@
       </p:sp>
       <p:sp>
         <p:nvSpPr>
-          <p:cNvPr id="3" name="Rezervirano mjesto sadržaja 2">
-            <a:extLst>
-              <a:ext uri="{FF2B5EF4-FFF2-40B4-BE49-F238E27FC236}">
-                <a16:creationId xmlns:a16="http://schemas.microsoft.com/office/drawing/2014/main" id="{497B518A-3091-48AF-A3CD-47A4BD1BF68D}"/>
-              </a:ext>
-            </a:extLst>
-          </p:cNvPr>
+          <p:cNvPr id="1048616" name="Rezervirano mjesto sadržaja 2"/>
           <p:cNvSpPr>
             <a:spLocks noGrp="1"/>
           </p:cNvSpPr>
@@ -7665,7 +7029,19 @@
               <a:rPr lang="hr-HR" sz="1800" b="0" i="0" u="none" strike="noStrike" baseline="0" dirty="0">
                 <a:latin typeface="Kp-Regular"/>
               </a:rPr>
-              <a:t>Baza podataka zaštićena</a:t>
+              <a:t>Baza podataka</a:t>
+            </a:r>
+            <a:r>
+              <a:rPr lang="en-US" sz="1800" b="0" i="0" u="none" strike="noStrike" baseline="0" dirty="0">
+                <a:latin typeface="Kp-Regular"/>
+              </a:rPr>
+              <a:t> je</a:t>
+            </a:r>
+            <a:r>
+              <a:rPr lang="hr-HR" sz="1800" b="0" i="0" u="none" strike="noStrike" baseline="0" dirty="0">
+                <a:latin typeface="Kp-Regular"/>
+              </a:rPr>
+              <a:t> zaštićena</a:t>
             </a:r>
             <a:endParaRPr lang="en-US" sz="1800" b="0" i="0" u="none" strike="noStrike" baseline="0" dirty="0">
               <a:latin typeface="Kp-Regular"/>
@@ -7973,13 +7349,7 @@
       </p:sp>
       <p:sp>
         <p:nvSpPr>
-          <p:cNvPr id="4" name="Rezervirano mjesto broja slajda 3">
-            <a:extLst>
-              <a:ext uri="{FF2B5EF4-FFF2-40B4-BE49-F238E27FC236}">
-                <a16:creationId xmlns:a16="http://schemas.microsoft.com/office/drawing/2014/main" id="{509029A0-BB9B-4E42-814D-D055BF573DB7}"/>
-              </a:ext>
-            </a:extLst>
-          </p:cNvPr>
+          <p:cNvPr id="1048617" name="Rezervirano mjesto broja slajda 3"/>
           <p:cNvSpPr>
             <a:spLocks noGrp="1"/>
           </p:cNvSpPr>
@@ -8001,11 +7371,6 @@
         </p:txBody>
       </p:sp>
     </p:spTree>
-    <p:extLst>
-      <p:ext uri="{BB962C8B-B14F-4D97-AF65-F5344CB8AC3E}">
-        <p14:creationId xmlns:p14="http://schemas.microsoft.com/office/powerpoint/2010/main" val="2862232449"/>
-      </p:ext>
-    </p:extLst>
   </p:cSld>
   <p:clrMapOvr>
     <a:masterClrMapping/>
@@ -8032,7 +7397,7 @@
       </p:grpSpPr>
       <p:sp>
         <p:nvSpPr>
-          <p:cNvPr id="2" name="Title 1"/>
+          <p:cNvPr id="1048618" name="Title 1"/>
           <p:cNvSpPr>
             <a:spLocks noGrp="1"/>
           </p:cNvSpPr>
@@ -8054,7 +7419,7 @@
       </p:sp>
       <p:sp>
         <p:nvSpPr>
-          <p:cNvPr id="4" name="Slide Number Placeholder 3"/>
+          <p:cNvPr id="1048619" name="Slide Number Placeholder 3"/>
           <p:cNvSpPr>
             <a:spLocks noGrp="1"/>
           </p:cNvSpPr>
@@ -8077,13 +7442,7 @@
       </p:sp>
       <p:pic>
         <p:nvPicPr>
-          <p:cNvPr id="10" name="Slika 9">
-            <a:extLst>
-              <a:ext uri="{FF2B5EF4-FFF2-40B4-BE49-F238E27FC236}">
-                <a16:creationId xmlns:a16="http://schemas.microsoft.com/office/drawing/2014/main" id="{57AEDAA4-91BD-5E02-C74E-725A4C67B048}"/>
-              </a:ext>
-            </a:extLst>
-          </p:cNvPr>
+          <p:cNvPr id="2097160" name="Slika 9"/>
           <p:cNvPicPr>
             <a:picLocks noChangeAspect="1"/>
           </p:cNvPicPr>
@@ -8092,7 +7451,9 @@
         <p:blipFill rotWithShape="1">
           <a:blip r:embed="rId2"/>
           <a:srcRect l="330" r="2814"/>
-          <a:stretch/>
+          <a:stretch>
+            <a:fillRect/>
+          </a:stretch>
         </p:blipFill>
         <p:spPr>
           <a:xfrm>
@@ -8105,11 +7466,6 @@
         </p:spPr>
       </p:pic>
     </p:spTree>
-    <p:extLst>
-      <p:ext uri="{BB962C8B-B14F-4D97-AF65-F5344CB8AC3E}">
-        <p14:creationId xmlns:p14="http://schemas.microsoft.com/office/powerpoint/2010/main" val="3657354464"/>
-      </p:ext>
-    </p:extLst>
   </p:cSld>
   <p:clrMapOvr>
     <a:masterClrMapping/>
@@ -8310,11 +7666,6 @@
   </a:themeElements>
   <a:objectDefaults/>
   <a:extraClrSchemeLst/>
-  <a:extLst>
-    <a:ext uri="{05A4C25C-085E-4340-85A3-A5531E510DB2}">
-      <thm15:themeFamily xmlns:thm15="http://schemas.microsoft.com/office/thememl/2012/main" name="PROGI-template.potm" id="{58E78474-FDB4-4359-98C4-259EEF8E4D43}" vid="{A98D19B1-8675-4930-BF13-63F2BBFA5E37}"/>
-    </a:ext>
-  </a:extLst>
 </a:theme>
 </file>
 
@@ -8571,10 +7922,5 @@
   </a:themeElements>
   <a:objectDefaults/>
   <a:extraClrSchemeLst/>
-  <a:extLst>
-    <a:ext uri="{05A4C25C-085E-4340-85A3-A5531E510DB2}">
-      <thm15:themeFamily xmlns:thm15="http://schemas.microsoft.com/office/thememl/2012/main" name="Office Theme" id="{62F939B6-93AF-4DB8-9C6B-D6C7DFDC589F}" vid="{4A3C46E8-61CC-4603-A589-7422A47A8E4A}"/>
-    </a:ext>
-  </a:extLst>
 </a:theme>
 </file>